--- a/1. CICD/2. LG전자_NERP대응/※ [정리] NERP전자유관대응-CICD.pptx
+++ b/1. CICD/2. LG전자_NERP대응/※ [정리] NERP전자유관대응-CICD.pptx
@@ -8,14 +8,15 @@
     <p:sldId id="264" r:id="rId2"/>
     <p:sldId id="263" r:id="rId3"/>
     <p:sldId id="265" r:id="rId4"/>
-    <p:sldId id="266" r:id="rId5"/>
-    <p:sldId id="256" r:id="rId6"/>
-    <p:sldId id="259" r:id="rId7"/>
-    <p:sldId id="260" r:id="rId8"/>
-    <p:sldId id="261" r:id="rId9"/>
-    <p:sldId id="257" r:id="rId10"/>
-    <p:sldId id="258" r:id="rId11"/>
-    <p:sldId id="262" r:id="rId12"/>
+    <p:sldId id="267" r:id="rId5"/>
+    <p:sldId id="266" r:id="rId6"/>
+    <p:sldId id="256" r:id="rId7"/>
+    <p:sldId id="259" r:id="rId8"/>
+    <p:sldId id="260" r:id="rId9"/>
+    <p:sldId id="261" r:id="rId10"/>
+    <p:sldId id="257" r:id="rId11"/>
+    <p:sldId id="258" r:id="rId12"/>
+    <p:sldId id="262" r:id="rId13"/>
   </p:sldIdLst>
   <p:sldSz cx="12601575" cy="9361488"/>
   <p:notesSz cx="6858000" cy="9144000"/>
@@ -4476,6 +4477,941 @@
       </p:grpSpPr>
       <p:pic>
         <p:nvPicPr>
+          <p:cNvPr id="8" name="Picture 3"/>
+          <p:cNvPicPr>
+            <a:picLocks noChangeAspect="1" noChangeArrowheads="1"/>
+          </p:cNvPicPr>
+          <p:nvPr/>
+        </p:nvPicPr>
+        <p:blipFill>
+          <a:blip r:embed="rId2"/>
+          <a:srcRect/>
+          <a:stretch>
+            <a:fillRect/>
+          </a:stretch>
+        </p:blipFill>
+        <p:spPr bwMode="auto">
+          <a:xfrm>
+            <a:off x="162157" y="904078"/>
+            <a:ext cx="5781074" cy="7827998"/>
+          </a:xfrm>
+          <a:prstGeom prst="rect">
+            <a:avLst/>
+          </a:prstGeom>
+          <a:noFill/>
+          <a:ln w="9525">
+            <a:noFill/>
+            <a:miter lim="800000"/>
+            <a:headEnd/>
+            <a:tailEnd/>
+          </a:ln>
+          <a:effectLst/>
+        </p:spPr>
+      </p:pic>
+      <p:pic>
+        <p:nvPicPr>
+          <p:cNvPr id="9" name="Picture 4"/>
+          <p:cNvPicPr>
+            <a:picLocks noChangeAspect="1" noChangeArrowheads="1"/>
+          </p:cNvPicPr>
+          <p:nvPr/>
+        </p:nvPicPr>
+        <p:blipFill>
+          <a:blip r:embed="rId3"/>
+          <a:srcRect/>
+          <a:stretch>
+            <a:fillRect/>
+          </a:stretch>
+        </p:blipFill>
+        <p:spPr bwMode="auto">
+          <a:xfrm>
+            <a:off x="6695846" y="904078"/>
+            <a:ext cx="5743574" cy="7759332"/>
+          </a:xfrm>
+          <a:prstGeom prst="rect">
+            <a:avLst/>
+          </a:prstGeom>
+          <a:noFill/>
+          <a:ln w="9525">
+            <a:noFill/>
+            <a:miter lim="800000"/>
+            <a:headEnd/>
+            <a:tailEnd/>
+          </a:ln>
+          <a:effectLst/>
+        </p:spPr>
+      </p:pic>
+      <p:sp>
+        <p:nvSpPr>
+          <p:cNvPr id="10" name="직사각형 9"/>
+          <p:cNvSpPr/>
+          <p:nvPr/>
+        </p:nvSpPr>
+        <p:spPr>
+          <a:xfrm>
+            <a:off x="1135353" y="1384745"/>
+            <a:ext cx="3518484" cy="755333"/>
+          </a:xfrm>
+          <a:prstGeom prst="rect">
+            <a:avLst/>
+          </a:prstGeom>
+          <a:noFill/>
+          <a:ln>
+            <a:solidFill>
+              <a:srgbClr val="FF0000"/>
+            </a:solidFill>
+          </a:ln>
+        </p:spPr>
+        <p:style>
+          <a:lnRef idx="2">
+            <a:schemeClr val="accent1">
+              <a:shade val="50000"/>
+            </a:schemeClr>
+          </a:lnRef>
+          <a:fillRef idx="1">
+            <a:schemeClr val="accent1"/>
+          </a:fillRef>
+          <a:effectRef idx="0">
+            <a:schemeClr val="accent1"/>
+          </a:effectRef>
+          <a:fontRef idx="minor">
+            <a:schemeClr val="lt1"/>
+          </a:fontRef>
+        </p:style>
+        <p:txBody>
+          <a:bodyPr rtlCol="0" anchor="ctr"/>
+          <a:lstStyle/>
+          <a:p>
+            <a:pPr algn="ctr"/>
+            <a:endParaRPr lang="ko-KR" altLang="en-US"/>
+          </a:p>
+        </p:txBody>
+      </p:sp>
+      <p:sp>
+        <p:nvSpPr>
+          <p:cNvPr id="11" name="직사각형 10"/>
+          <p:cNvSpPr/>
+          <p:nvPr/>
+        </p:nvSpPr>
+        <p:spPr>
+          <a:xfrm>
+            <a:off x="7199123" y="3444743"/>
+            <a:ext cx="3518484" cy="1167333"/>
+          </a:xfrm>
+          <a:prstGeom prst="rect">
+            <a:avLst/>
+          </a:prstGeom>
+          <a:noFill/>
+          <a:ln>
+            <a:solidFill>
+              <a:srgbClr val="FF0000"/>
+            </a:solidFill>
+          </a:ln>
+        </p:spPr>
+        <p:style>
+          <a:lnRef idx="2">
+            <a:schemeClr val="accent1">
+              <a:shade val="50000"/>
+            </a:schemeClr>
+          </a:lnRef>
+          <a:fillRef idx="1">
+            <a:schemeClr val="accent1"/>
+          </a:fillRef>
+          <a:effectRef idx="0">
+            <a:schemeClr val="accent1"/>
+          </a:effectRef>
+          <a:fontRef idx="minor">
+            <a:schemeClr val="lt1"/>
+          </a:fontRef>
+        </p:style>
+        <p:txBody>
+          <a:bodyPr rtlCol="0" anchor="ctr"/>
+          <a:lstStyle/>
+          <a:p>
+            <a:pPr algn="ctr"/>
+            <a:endParaRPr lang="ko-KR" altLang="en-US"/>
+          </a:p>
+        </p:txBody>
+      </p:sp>
+      <p:cxnSp>
+        <p:nvCxnSpPr>
+          <p:cNvPr id="13" name="꺾인 연결선 12"/>
+          <p:cNvCxnSpPr>
+            <a:stCxn id="10" idx="3"/>
+            <a:endCxn id="11" idx="1"/>
+          </p:cNvCxnSpPr>
+          <p:nvPr/>
+        </p:nvCxnSpPr>
+        <p:spPr>
+          <a:xfrm>
+            <a:off x="4653837" y="1762411"/>
+            <a:ext cx="2545286" cy="2265999"/>
+          </a:xfrm>
+          <a:prstGeom prst="bentConnector3">
+            <a:avLst>
+              <a:gd name="adj1" fmla="val 67067"/>
+            </a:avLst>
+          </a:prstGeom>
+          <a:ln w="19050">
+            <a:solidFill>
+              <a:srgbClr val="FF0000"/>
+            </a:solidFill>
+            <a:tailEnd type="arrow" w="lg" len="lg"/>
+          </a:ln>
+        </p:spPr>
+        <p:style>
+          <a:lnRef idx="1">
+            <a:schemeClr val="accent1"/>
+          </a:lnRef>
+          <a:fillRef idx="0">
+            <a:schemeClr val="accent1"/>
+          </a:fillRef>
+          <a:effectRef idx="0">
+            <a:schemeClr val="accent1"/>
+          </a:effectRef>
+          <a:fontRef idx="minor">
+            <a:schemeClr val="tx1"/>
+          </a:fontRef>
+        </p:style>
+      </p:cxnSp>
+      <p:sp>
+        <p:nvSpPr>
+          <p:cNvPr id="16" name="직사각형 15"/>
+          <p:cNvSpPr/>
+          <p:nvPr/>
+        </p:nvSpPr>
+        <p:spPr>
+          <a:xfrm>
+            <a:off x="1060492" y="3582077"/>
+            <a:ext cx="3518484" cy="1236000"/>
+          </a:xfrm>
+          <a:prstGeom prst="rect">
+            <a:avLst/>
+          </a:prstGeom>
+          <a:noFill/>
+          <a:ln>
+            <a:solidFill>
+              <a:srgbClr val="00B0F0"/>
+            </a:solidFill>
+          </a:ln>
+        </p:spPr>
+        <p:style>
+          <a:lnRef idx="2">
+            <a:schemeClr val="accent1">
+              <a:shade val="50000"/>
+            </a:schemeClr>
+          </a:lnRef>
+          <a:fillRef idx="1">
+            <a:schemeClr val="accent1"/>
+          </a:fillRef>
+          <a:effectRef idx="0">
+            <a:schemeClr val="accent1"/>
+          </a:effectRef>
+          <a:fontRef idx="minor">
+            <a:schemeClr val="lt1"/>
+          </a:fontRef>
+        </p:style>
+        <p:txBody>
+          <a:bodyPr rtlCol="0" anchor="ctr"/>
+          <a:lstStyle/>
+          <a:p>
+            <a:pPr algn="ctr"/>
+            <a:endParaRPr lang="ko-KR" altLang="en-US"/>
+          </a:p>
+        </p:txBody>
+      </p:sp>
+      <p:sp>
+        <p:nvSpPr>
+          <p:cNvPr id="17" name="직사각형 16"/>
+          <p:cNvSpPr/>
+          <p:nvPr/>
+        </p:nvSpPr>
+        <p:spPr>
+          <a:xfrm>
+            <a:off x="7199123" y="4749410"/>
+            <a:ext cx="3518484" cy="1442000"/>
+          </a:xfrm>
+          <a:prstGeom prst="rect">
+            <a:avLst/>
+          </a:prstGeom>
+          <a:noFill/>
+          <a:ln>
+            <a:solidFill>
+              <a:srgbClr val="00B0F0"/>
+            </a:solidFill>
+          </a:ln>
+        </p:spPr>
+        <p:style>
+          <a:lnRef idx="2">
+            <a:schemeClr val="accent1">
+              <a:shade val="50000"/>
+            </a:schemeClr>
+          </a:lnRef>
+          <a:fillRef idx="1">
+            <a:schemeClr val="accent1"/>
+          </a:fillRef>
+          <a:effectRef idx="0">
+            <a:schemeClr val="accent1"/>
+          </a:effectRef>
+          <a:fontRef idx="minor">
+            <a:schemeClr val="lt1"/>
+          </a:fontRef>
+        </p:style>
+        <p:txBody>
+          <a:bodyPr rtlCol="0" anchor="ctr"/>
+          <a:lstStyle/>
+          <a:p>
+            <a:pPr algn="ctr"/>
+            <a:endParaRPr lang="ko-KR" altLang="en-US"/>
+          </a:p>
+        </p:txBody>
+      </p:sp>
+      <p:sp>
+        <p:nvSpPr>
+          <p:cNvPr id="18" name="직사각형 17"/>
+          <p:cNvSpPr/>
+          <p:nvPr/>
+        </p:nvSpPr>
+        <p:spPr>
+          <a:xfrm>
+            <a:off x="1060492" y="4886743"/>
+            <a:ext cx="3518484" cy="2060000"/>
+          </a:xfrm>
+          <a:prstGeom prst="rect">
+            <a:avLst/>
+          </a:prstGeom>
+          <a:noFill/>
+          <a:ln>
+            <a:solidFill>
+              <a:srgbClr val="FFFF00"/>
+            </a:solidFill>
+          </a:ln>
+        </p:spPr>
+        <p:style>
+          <a:lnRef idx="2">
+            <a:schemeClr val="accent1">
+              <a:shade val="50000"/>
+            </a:schemeClr>
+          </a:lnRef>
+          <a:fillRef idx="1">
+            <a:schemeClr val="accent1"/>
+          </a:fillRef>
+          <a:effectRef idx="0">
+            <a:schemeClr val="accent1"/>
+          </a:effectRef>
+          <a:fontRef idx="minor">
+            <a:schemeClr val="lt1"/>
+          </a:fontRef>
+        </p:style>
+        <p:txBody>
+          <a:bodyPr rtlCol="0" anchor="ctr"/>
+          <a:lstStyle/>
+          <a:p>
+            <a:pPr algn="ctr"/>
+            <a:endParaRPr lang="ko-KR" altLang="en-US"/>
+          </a:p>
+        </p:txBody>
+      </p:sp>
+      <p:sp>
+        <p:nvSpPr>
+          <p:cNvPr id="19" name="직사각형 18"/>
+          <p:cNvSpPr/>
+          <p:nvPr/>
+        </p:nvSpPr>
+        <p:spPr>
+          <a:xfrm>
+            <a:off x="1584521" y="6946744"/>
+            <a:ext cx="3293900" cy="686666"/>
+          </a:xfrm>
+          <a:prstGeom prst="rect">
+            <a:avLst/>
+          </a:prstGeom>
+          <a:noFill/>
+          <a:ln>
+            <a:solidFill>
+              <a:srgbClr val="FFFF00"/>
+            </a:solidFill>
+          </a:ln>
+        </p:spPr>
+        <p:style>
+          <a:lnRef idx="2">
+            <a:schemeClr val="accent1">
+              <a:shade val="50000"/>
+            </a:schemeClr>
+          </a:lnRef>
+          <a:fillRef idx="1">
+            <a:schemeClr val="accent1"/>
+          </a:fillRef>
+          <a:effectRef idx="0">
+            <a:schemeClr val="accent1"/>
+          </a:effectRef>
+          <a:fontRef idx="minor">
+            <a:schemeClr val="lt1"/>
+          </a:fontRef>
+        </p:style>
+        <p:txBody>
+          <a:bodyPr rtlCol="0" anchor="ctr"/>
+          <a:lstStyle/>
+          <a:p>
+            <a:pPr algn="ctr"/>
+            <a:endParaRPr lang="ko-KR" altLang="en-US"/>
+          </a:p>
+        </p:txBody>
+      </p:sp>
+      <p:sp>
+        <p:nvSpPr>
+          <p:cNvPr id="20" name="직사각형 19"/>
+          <p:cNvSpPr/>
+          <p:nvPr/>
+        </p:nvSpPr>
+        <p:spPr>
+          <a:xfrm>
+            <a:off x="7124262" y="6534743"/>
+            <a:ext cx="3293900" cy="823999"/>
+          </a:xfrm>
+          <a:prstGeom prst="rect">
+            <a:avLst/>
+          </a:prstGeom>
+          <a:noFill/>
+          <a:ln>
+            <a:solidFill>
+              <a:srgbClr val="FFFF00"/>
+            </a:solidFill>
+          </a:ln>
+        </p:spPr>
+        <p:style>
+          <a:lnRef idx="2">
+            <a:schemeClr val="accent1">
+              <a:shade val="50000"/>
+            </a:schemeClr>
+          </a:lnRef>
+          <a:fillRef idx="1">
+            <a:schemeClr val="accent1"/>
+          </a:fillRef>
+          <a:effectRef idx="0">
+            <a:schemeClr val="accent1"/>
+          </a:effectRef>
+          <a:fontRef idx="minor">
+            <a:schemeClr val="lt1"/>
+          </a:fontRef>
+        </p:style>
+        <p:txBody>
+          <a:bodyPr rtlCol="0" anchor="ctr"/>
+          <a:lstStyle/>
+          <a:p>
+            <a:pPr algn="ctr"/>
+            <a:endParaRPr lang="ko-KR" altLang="en-US"/>
+          </a:p>
+        </p:txBody>
+      </p:sp>
+      <p:sp>
+        <p:nvSpPr>
+          <p:cNvPr id="21" name="직사각형 20"/>
+          <p:cNvSpPr/>
+          <p:nvPr/>
+        </p:nvSpPr>
+        <p:spPr>
+          <a:xfrm>
+            <a:off x="6749956" y="1453411"/>
+            <a:ext cx="3518484" cy="1991332"/>
+          </a:xfrm>
+          <a:prstGeom prst="rect">
+            <a:avLst/>
+          </a:prstGeom>
+          <a:noFill/>
+          <a:ln>
+            <a:solidFill>
+              <a:srgbClr val="FFFF00"/>
+            </a:solidFill>
+          </a:ln>
+        </p:spPr>
+        <p:style>
+          <a:lnRef idx="2">
+            <a:schemeClr val="accent1">
+              <a:shade val="50000"/>
+            </a:schemeClr>
+          </a:lnRef>
+          <a:fillRef idx="1">
+            <a:schemeClr val="accent1"/>
+          </a:fillRef>
+          <a:effectRef idx="0">
+            <a:schemeClr val="accent1"/>
+          </a:effectRef>
+          <a:fontRef idx="minor">
+            <a:schemeClr val="lt1"/>
+          </a:fontRef>
+        </p:style>
+        <p:txBody>
+          <a:bodyPr rtlCol="0" anchor="ctr"/>
+          <a:lstStyle/>
+          <a:p>
+            <a:pPr algn="ctr"/>
+            <a:endParaRPr lang="ko-KR" altLang="en-US"/>
+          </a:p>
+        </p:txBody>
+      </p:sp>
+      <p:cxnSp>
+        <p:nvCxnSpPr>
+          <p:cNvPr id="22" name="꺾인 연결선 21"/>
+          <p:cNvCxnSpPr>
+            <a:stCxn id="19" idx="3"/>
+            <a:endCxn id="20" idx="3"/>
+          </p:cNvCxnSpPr>
+          <p:nvPr/>
+        </p:nvCxnSpPr>
+        <p:spPr>
+          <a:xfrm flipV="1">
+            <a:off x="4878422" y="6946742"/>
+            <a:ext cx="5539741" cy="343334"/>
+          </a:xfrm>
+          <a:prstGeom prst="bentConnector5">
+            <a:avLst>
+              <a:gd name="adj1" fmla="val 9430"/>
+              <a:gd name="adj2" fmla="val -248476"/>
+              <a:gd name="adj3" fmla="val 104324"/>
+            </a:avLst>
+          </a:prstGeom>
+          <a:ln w="19050">
+            <a:solidFill>
+              <a:srgbClr val="FFFF00"/>
+            </a:solidFill>
+            <a:tailEnd type="arrow" w="lg" len="lg"/>
+          </a:ln>
+        </p:spPr>
+        <p:style>
+          <a:lnRef idx="1">
+            <a:schemeClr val="accent1"/>
+          </a:lnRef>
+          <a:fillRef idx="0">
+            <a:schemeClr val="accent1"/>
+          </a:fillRef>
+          <a:effectRef idx="0">
+            <a:schemeClr val="accent1"/>
+          </a:effectRef>
+          <a:fontRef idx="minor">
+            <a:schemeClr val="tx1"/>
+          </a:fontRef>
+        </p:style>
+      </p:cxnSp>
+      <p:cxnSp>
+        <p:nvCxnSpPr>
+          <p:cNvPr id="26" name="꺾인 연결선 25"/>
+          <p:cNvCxnSpPr>
+            <a:stCxn id="16" idx="3"/>
+          </p:cNvCxnSpPr>
+          <p:nvPr/>
+        </p:nvCxnSpPr>
+        <p:spPr>
+          <a:xfrm>
+            <a:off x="4578976" y="4200077"/>
+            <a:ext cx="2620148" cy="1648000"/>
+          </a:xfrm>
+          <a:prstGeom prst="bentConnector3">
+            <a:avLst>
+              <a:gd name="adj1" fmla="val 22206"/>
+            </a:avLst>
+          </a:prstGeom>
+          <a:ln w="19050">
+            <a:solidFill>
+              <a:srgbClr val="00B0F0"/>
+            </a:solidFill>
+            <a:tailEnd type="arrow" w="lg" len="lg"/>
+          </a:ln>
+        </p:spPr>
+        <p:style>
+          <a:lnRef idx="1">
+            <a:schemeClr val="accent1"/>
+          </a:lnRef>
+          <a:fillRef idx="0">
+            <a:schemeClr val="accent1"/>
+          </a:fillRef>
+          <a:effectRef idx="0">
+            <a:schemeClr val="accent1"/>
+          </a:effectRef>
+          <a:fontRef idx="minor">
+            <a:schemeClr val="tx1"/>
+          </a:fontRef>
+        </p:style>
+      </p:cxnSp>
+      <p:sp>
+        <p:nvSpPr>
+          <p:cNvPr id="34" name="TextBox 33"/>
+          <p:cNvSpPr txBox="1"/>
+          <p:nvPr/>
+        </p:nvSpPr>
+        <p:spPr>
+          <a:xfrm>
+            <a:off x="162156" y="560745"/>
+            <a:ext cx="3213187" cy="369332"/>
+          </a:xfrm>
+          <a:prstGeom prst="rect">
+            <a:avLst/>
+          </a:prstGeom>
+          <a:noFill/>
+        </p:spPr>
+        <p:txBody>
+          <a:bodyPr wrap="none" rtlCol="0">
+            <a:spAutoFit/>
+          </a:bodyPr>
+          <a:lstStyle/>
+          <a:p>
+            <a:r>
+              <a:rPr lang="ko-KR" altLang="en-US" sz="1800" smtClean="0">
+                <a:latin typeface="LG Smart UI Regular" pitchFamily="50" charset="-127"/>
+                <a:ea typeface="LG Smart UI Regular" pitchFamily="50" charset="-127"/>
+              </a:rPr>
+              <a:t>◆ </a:t>
+            </a:r>
+            <a:r>
+              <a:rPr lang="en-US" altLang="ko-KR" sz="1800" smtClean="0">
+                <a:latin typeface="LG Smart UI Regular" pitchFamily="50" charset="-127"/>
+                <a:ea typeface="LG Smart UI Regular" pitchFamily="50" charset="-127"/>
+              </a:rPr>
+              <a:t>maven </a:t>
+            </a:r>
+            <a:r>
+              <a:rPr lang="ko-KR" altLang="en-US" sz="1800" smtClean="0">
+                <a:latin typeface="LG Smart UI Regular" pitchFamily="50" charset="-127"/>
+                <a:ea typeface="LG Smart UI Regular" pitchFamily="50" charset="-127"/>
+              </a:rPr>
+              <a:t>프로젝트 디렉토리 구조 </a:t>
+            </a:r>
+            <a:endParaRPr lang="ko-KR" altLang="en-US" sz="1800">
+              <a:latin typeface="LG Smart UI Regular" pitchFamily="50" charset="-127"/>
+              <a:ea typeface="LG Smart UI Regular" pitchFamily="50" charset="-127"/>
+            </a:endParaRPr>
+          </a:p>
+        </p:txBody>
+      </p:sp>
+      <p:sp>
+        <p:nvSpPr>
+          <p:cNvPr id="35" name="TextBox 34"/>
+          <p:cNvSpPr txBox="1"/>
+          <p:nvPr/>
+        </p:nvSpPr>
+        <p:spPr>
+          <a:xfrm>
+            <a:off x="6675094" y="560745"/>
+            <a:ext cx="2483821" cy="369332"/>
+          </a:xfrm>
+          <a:prstGeom prst="rect">
+            <a:avLst/>
+          </a:prstGeom>
+          <a:noFill/>
+        </p:spPr>
+        <p:txBody>
+          <a:bodyPr wrap="none" rtlCol="0">
+            <a:spAutoFit/>
+          </a:bodyPr>
+          <a:lstStyle/>
+          <a:p>
+            <a:r>
+              <a:rPr lang="ko-KR" altLang="en-US" sz="1800" smtClean="0">
+                <a:latin typeface="LG Smart UI Regular" pitchFamily="50" charset="-127"/>
+                <a:ea typeface="LG Smart UI Regular" pitchFamily="50" charset="-127"/>
+              </a:rPr>
+              <a:t>◆ </a:t>
+            </a:r>
+            <a:r>
+              <a:rPr lang="en-US" altLang="ko-KR" sz="1800" smtClean="0">
+                <a:latin typeface="LG Smart UI Regular" pitchFamily="50" charset="-127"/>
+                <a:ea typeface="LG Smart UI Regular" pitchFamily="50" charset="-127"/>
+              </a:rPr>
+              <a:t>war</a:t>
+            </a:r>
+            <a:r>
+              <a:rPr lang="ko-KR" altLang="en-US" sz="1800" smtClean="0">
+                <a:latin typeface="LG Smart UI Regular" pitchFamily="50" charset="-127"/>
+                <a:ea typeface="LG Smart UI Regular" pitchFamily="50" charset="-127"/>
+              </a:rPr>
+              <a:t>파일 디렉토리 구조 </a:t>
+            </a:r>
+            <a:endParaRPr lang="ko-KR" altLang="en-US" sz="1800">
+              <a:latin typeface="LG Smart UI Regular" pitchFamily="50" charset="-127"/>
+              <a:ea typeface="LG Smart UI Regular" pitchFamily="50" charset="-127"/>
+            </a:endParaRPr>
+          </a:p>
+        </p:txBody>
+      </p:sp>
+      <p:sp>
+        <p:nvSpPr>
+          <p:cNvPr id="36" name="TextBox 35"/>
+          <p:cNvSpPr txBox="1"/>
+          <p:nvPr/>
+        </p:nvSpPr>
+        <p:spPr>
+          <a:xfrm>
+            <a:off x="5851620" y="1522078"/>
+            <a:ext cx="655949" cy="323165"/>
+          </a:xfrm>
+          <a:prstGeom prst="rect">
+            <a:avLst/>
+          </a:prstGeom>
+          <a:solidFill>
+            <a:schemeClr val="bg1">
+              <a:lumMod val="95000"/>
+            </a:schemeClr>
+          </a:solidFill>
+        </p:spPr>
+        <p:txBody>
+          <a:bodyPr wrap="none" rtlCol="0">
+            <a:spAutoFit/>
+          </a:bodyPr>
+          <a:lstStyle/>
+          <a:p>
+            <a:r>
+              <a:rPr lang="ko-KR" altLang="en-US" sz="1500" smtClean="0">
+                <a:latin typeface="LG Smart UI Regular" pitchFamily="50" charset="-127"/>
+                <a:ea typeface="LG Smart UI Regular" pitchFamily="50" charset="-127"/>
+              </a:rPr>
+              <a:t>컴파일</a:t>
+            </a:r>
+            <a:endParaRPr lang="ko-KR" altLang="en-US" sz="1500">
+              <a:latin typeface="LG Smart UI Regular" pitchFamily="50" charset="-127"/>
+              <a:ea typeface="LG Smart UI Regular" pitchFamily="50" charset="-127"/>
+            </a:endParaRPr>
+          </a:p>
+        </p:txBody>
+      </p:sp>
+      <p:cxnSp>
+        <p:nvCxnSpPr>
+          <p:cNvPr id="39" name="직선 연결선 38"/>
+          <p:cNvCxnSpPr/>
+          <p:nvPr/>
+        </p:nvCxnSpPr>
+        <p:spPr>
+          <a:xfrm flipV="1">
+            <a:off x="1734244" y="2620561"/>
+            <a:ext cx="2096119" cy="184"/>
+          </a:xfrm>
+          <a:prstGeom prst="line">
+            <a:avLst/>
+          </a:prstGeom>
+          <a:ln>
+            <a:solidFill>
+              <a:srgbClr val="FF0000"/>
+            </a:solidFill>
+          </a:ln>
+        </p:spPr>
+        <p:style>
+          <a:lnRef idx="1">
+            <a:schemeClr val="accent1"/>
+          </a:lnRef>
+          <a:fillRef idx="0">
+            <a:schemeClr val="accent1"/>
+          </a:fillRef>
+          <a:effectRef idx="0">
+            <a:schemeClr val="accent1"/>
+          </a:effectRef>
+          <a:fontRef idx="minor">
+            <a:schemeClr val="tx1"/>
+          </a:fontRef>
+        </p:style>
+      </p:cxnSp>
+      <p:cxnSp>
+        <p:nvCxnSpPr>
+          <p:cNvPr id="42" name="직선 연결선 41"/>
+          <p:cNvCxnSpPr/>
+          <p:nvPr/>
+        </p:nvCxnSpPr>
+        <p:spPr>
+          <a:xfrm flipV="1">
+            <a:off x="1734244" y="2758078"/>
+            <a:ext cx="2096119" cy="184"/>
+          </a:xfrm>
+          <a:prstGeom prst="line">
+            <a:avLst/>
+          </a:prstGeom>
+          <a:ln>
+            <a:solidFill>
+              <a:srgbClr val="FF0000"/>
+            </a:solidFill>
+          </a:ln>
+        </p:spPr>
+        <p:style>
+          <a:lnRef idx="1">
+            <a:schemeClr val="accent1"/>
+          </a:lnRef>
+          <a:fillRef idx="0">
+            <a:schemeClr val="accent1"/>
+          </a:fillRef>
+          <a:effectRef idx="0">
+            <a:schemeClr val="accent1"/>
+          </a:effectRef>
+          <a:fontRef idx="minor">
+            <a:schemeClr val="tx1"/>
+          </a:fontRef>
+        </p:style>
+      </p:cxnSp>
+      <p:cxnSp>
+        <p:nvCxnSpPr>
+          <p:cNvPr id="44" name="직선 화살표 연결선 43"/>
+          <p:cNvCxnSpPr/>
+          <p:nvPr/>
+        </p:nvCxnSpPr>
+        <p:spPr>
+          <a:xfrm>
+            <a:off x="3830362" y="2552078"/>
+            <a:ext cx="3443623" cy="2471999"/>
+          </a:xfrm>
+          <a:prstGeom prst="straightConnector1">
+            <a:avLst/>
+          </a:prstGeom>
+          <a:ln w="19050">
+            <a:solidFill>
+              <a:srgbClr val="FF0000"/>
+            </a:solidFill>
+            <a:prstDash val="dash"/>
+            <a:headEnd type="oval"/>
+            <a:tailEnd type="arrow"/>
+          </a:ln>
+        </p:spPr>
+        <p:style>
+          <a:lnRef idx="1">
+            <a:schemeClr val="accent1"/>
+          </a:lnRef>
+          <a:fillRef idx="0">
+            <a:schemeClr val="accent1"/>
+          </a:fillRef>
+          <a:effectRef idx="0">
+            <a:schemeClr val="accent1"/>
+          </a:effectRef>
+          <a:fontRef idx="minor">
+            <a:schemeClr val="tx1"/>
+          </a:fontRef>
+        </p:style>
+      </p:cxnSp>
+      <p:cxnSp>
+        <p:nvCxnSpPr>
+          <p:cNvPr id="45" name="직선 화살표 연결선 44"/>
+          <p:cNvCxnSpPr/>
+          <p:nvPr/>
+        </p:nvCxnSpPr>
+        <p:spPr>
+          <a:xfrm>
+            <a:off x="3830362" y="2758077"/>
+            <a:ext cx="3668207" cy="2952666"/>
+          </a:xfrm>
+          <a:prstGeom prst="straightConnector1">
+            <a:avLst/>
+          </a:prstGeom>
+          <a:ln w="19050">
+            <a:solidFill>
+              <a:srgbClr val="FF0000"/>
+            </a:solidFill>
+            <a:prstDash val="dash"/>
+            <a:headEnd type="oval"/>
+            <a:tailEnd type="arrow"/>
+          </a:ln>
+        </p:spPr>
+        <p:style>
+          <a:lnRef idx="1">
+            <a:schemeClr val="accent1"/>
+          </a:lnRef>
+          <a:fillRef idx="0">
+            <a:schemeClr val="accent1"/>
+          </a:fillRef>
+          <a:effectRef idx="0">
+            <a:schemeClr val="accent1"/>
+          </a:effectRef>
+          <a:fontRef idx="minor">
+            <a:schemeClr val="tx1"/>
+          </a:fontRef>
+        </p:style>
+      </p:cxnSp>
+      <p:sp>
+        <p:nvSpPr>
+          <p:cNvPr id="49" name="TextBox 48"/>
+          <p:cNvSpPr txBox="1"/>
+          <p:nvPr/>
+        </p:nvSpPr>
+        <p:spPr>
+          <a:xfrm>
+            <a:off x="5297507" y="4268744"/>
+            <a:ext cx="1314591" cy="553998"/>
+          </a:xfrm>
+          <a:prstGeom prst="rect">
+            <a:avLst/>
+          </a:prstGeom>
+          <a:solidFill>
+            <a:schemeClr val="bg1">
+              <a:lumMod val="95000"/>
+            </a:schemeClr>
+          </a:solidFill>
+        </p:spPr>
+        <p:txBody>
+          <a:bodyPr wrap="none" rtlCol="0">
+            <a:spAutoFit/>
+          </a:bodyPr>
+          <a:lstStyle/>
+          <a:p>
+            <a:r>
+              <a:rPr lang="en-US" altLang="ko-KR" sz="1500" smtClean="0">
+                <a:latin typeface="LG Smart UI Regular" pitchFamily="50" charset="-127"/>
+                <a:ea typeface="LG Smart UI Regular" pitchFamily="50" charset="-127"/>
+              </a:rPr>
+              <a:t>profile(</a:t>
+            </a:r>
+            <a:r>
+              <a:rPr lang="ko-KR" altLang="en-US" sz="1500" smtClean="0">
+                <a:latin typeface="LG Smart UI Regular" pitchFamily="50" charset="-127"/>
+                <a:ea typeface="LG Smart UI Regular" pitchFamily="50" charset="-127"/>
+              </a:rPr>
+              <a:t>환경별</a:t>
+            </a:r>
+            <a:r>
+              <a:rPr lang="en-US" altLang="ko-KR" sz="1500" smtClean="0">
+                <a:latin typeface="LG Smart UI Regular" pitchFamily="50" charset="-127"/>
+                <a:ea typeface="LG Smart UI Regular" pitchFamily="50" charset="-127"/>
+              </a:rPr>
+              <a:t>)</a:t>
+            </a:r>
+          </a:p>
+          <a:p>
+            <a:r>
+              <a:rPr lang="ko-KR" altLang="en-US" sz="1500" smtClean="0">
+                <a:latin typeface="LG Smart UI Regular" pitchFamily="50" charset="-127"/>
+                <a:ea typeface="LG Smart UI Regular" pitchFamily="50" charset="-127"/>
+              </a:rPr>
+              <a:t>다른설정배</a:t>
+            </a:r>
+            <a:r>
+              <a:rPr lang="ko-KR" altLang="en-US" sz="1500">
+                <a:latin typeface="LG Smart UI Regular" pitchFamily="50" charset="-127"/>
+                <a:ea typeface="LG Smart UI Regular" pitchFamily="50" charset="-127"/>
+              </a:rPr>
+              <a:t>포</a:t>
+            </a:r>
+          </a:p>
+        </p:txBody>
+      </p:sp>
+    </p:spTree>
+  </p:cSld>
+  <p:clrMapOvr>
+    <a:masterClrMapping/>
+  </p:clrMapOvr>
+</p:sld>
+</file>
+
+<file path=ppt/slides/slide11.xml><?xml version="1.0" encoding="utf-8"?>
+<p:sld xmlns:a="http://schemas.openxmlformats.org/drawingml/2006/main" xmlns:r="http://schemas.openxmlformats.org/officeDocument/2006/relationships" xmlns:p="http://schemas.openxmlformats.org/presentationml/2006/main">
+  <p:cSld>
+    <p:spTree>
+      <p:nvGrpSpPr>
+        <p:cNvPr id="1" name=""/>
+        <p:cNvGrpSpPr/>
+        <p:nvPr/>
+      </p:nvGrpSpPr>
+      <p:grpSpPr>
+        <a:xfrm>
+          <a:off x="0" y="0"/>
+          <a:ext cx="0" cy="0"/>
+          <a:chOff x="0" y="0"/>
+          <a:chExt cx="0" cy="0"/>
+        </a:xfrm>
+      </p:grpSpPr>
+      <p:pic>
+        <p:nvPicPr>
           <p:cNvPr id="2050" name="Picture 2"/>
           <p:cNvPicPr>
             <a:picLocks noChangeAspect="1" noChangeArrowheads="1"/>
@@ -4703,7 +5639,7 @@
 </p:sld>
 </file>
 
-<file path=ppt/slides/slide11.xml><?xml version="1.0" encoding="utf-8"?>
+<file path=ppt/slides/slide12.xml><?xml version="1.0" encoding="utf-8"?>
 <p:sld xmlns:a="http://schemas.openxmlformats.org/drawingml/2006/main" xmlns:r="http://schemas.openxmlformats.org/officeDocument/2006/relationships" xmlns:p="http://schemas.openxmlformats.org/presentationml/2006/main">
   <p:cSld>
     <p:spTree>
@@ -5183,7 +6119,7 @@
           <a:blip r:embed="rId2">
             <a:extLst>
               <a:ext uri="{28A0092B-C50C-407E-A947-70E740481C1C}">
-                <a14:useLocalDpi xmlns="" xmlns:a14="http://schemas.microsoft.com/office/drawing/2010/main" val="0"/>
+                <a14:useLocalDpi xmlns:a14="http://schemas.microsoft.com/office/drawing/2010/main" xmlns="" val="0"/>
               </a:ext>
             </a:extLst>
           </a:blip>
@@ -5203,7 +6139,7 @@
           <a:noFill/>
           <a:extLst>
             <a:ext uri="{909E8E84-426E-40DD-AFC4-6F175D3DCCD1}">
-              <a14:hiddenFill xmlns="" xmlns:a14="http://schemas.microsoft.com/office/drawing/2010/main">
+              <a14:hiddenFill xmlns:a14="http://schemas.microsoft.com/office/drawing/2010/main" xmlns="">
                 <a:solidFill>
                   <a:srgbClr val="FFFFFF"/>
                 </a:solidFill>
@@ -7591,7 +8527,7 @@
             </a:duotone>
             <a:extLst>
               <a:ext uri="{28A0092B-C50C-407E-A947-70E740481C1C}">
-                <a14:useLocalDpi xmlns="" xmlns:a14="http://schemas.microsoft.com/office/drawing/2010/main" val="0"/>
+                <a14:useLocalDpi xmlns:a14="http://schemas.microsoft.com/office/drawing/2010/main" xmlns="" val="0"/>
               </a:ext>
             </a:extLst>
           </a:blip>
@@ -7611,7 +8547,7 @@
           <a:noFill/>
           <a:extLst>
             <a:ext uri="{909E8E84-426E-40DD-AFC4-6F175D3DCCD1}">
-              <a14:hiddenFill xmlns="" xmlns:a14="http://schemas.microsoft.com/office/drawing/2010/main">
+              <a14:hiddenFill xmlns:a14="http://schemas.microsoft.com/office/drawing/2010/main" xmlns="">
                 <a:solidFill>
                   <a:srgbClr val="FFFFFF"/>
                 </a:solidFill>
@@ -7860,8 +8796,8 @@
         </p:nvCxnSpPr>
         <p:spPr>
           <a:xfrm rot="5400000">
-            <a:off x="1622392" y="2715405"/>
-            <a:ext cx="2214578" cy="1588"/>
+            <a:off x="1407925" y="2929566"/>
+            <a:ext cx="2643206" cy="1895"/>
           </a:xfrm>
           <a:prstGeom prst="straightConnector1">
             <a:avLst/>
@@ -8085,7 +9021,7 @@
         </p:nvSpPr>
         <p:spPr>
           <a:xfrm>
-            <a:off x="2943201" y="2286016"/>
+            <a:off x="2943201" y="2428892"/>
             <a:ext cx="2428892" cy="299917"/>
           </a:xfrm>
           <a:prstGeom prst="rect">
@@ -8160,7 +9096,7 @@
         </p:nvSpPr>
         <p:spPr>
           <a:xfrm>
-            <a:off x="3014639" y="2571768"/>
+            <a:off x="3014639" y="2714644"/>
             <a:ext cx="4429156" cy="253750"/>
           </a:xfrm>
           <a:prstGeom prst="rect">
@@ -8197,7 +9133,7 @@
         </p:nvSpPr>
         <p:spPr>
           <a:xfrm>
-            <a:off x="2943201" y="3286148"/>
+            <a:off x="2943201" y="3500462"/>
             <a:ext cx="2428892" cy="299917"/>
           </a:xfrm>
           <a:prstGeom prst="rect">
@@ -8272,7 +9208,7 @@
         </p:nvSpPr>
         <p:spPr>
           <a:xfrm>
-            <a:off x="3014639" y="3571900"/>
+            <a:off x="3014639" y="3786214"/>
             <a:ext cx="4857784" cy="253750"/>
           </a:xfrm>
           <a:prstGeom prst="rect">
@@ -8353,7 +9289,7 @@
         </p:nvSpPr>
         <p:spPr>
           <a:xfrm>
-            <a:off x="1943069" y="2251852"/>
+            <a:off x="1943069" y="2394728"/>
             <a:ext cx="1000132" cy="357190"/>
           </a:xfrm>
           <a:prstGeom prst="roundRect">
@@ -8397,7 +9333,7 @@
         </p:nvSpPr>
         <p:spPr>
           <a:xfrm>
-            <a:off x="1943069" y="3251984"/>
+            <a:off x="1943069" y="3466298"/>
             <a:ext cx="1000132" cy="357190"/>
           </a:xfrm>
           <a:prstGeom prst="roundRect">
@@ -8441,7 +9377,7 @@
         </p:nvSpPr>
         <p:spPr>
           <a:xfrm>
-            <a:off x="3371829" y="3894926"/>
+            <a:off x="3371829" y="4109240"/>
             <a:ext cx="2071702" cy="299917"/>
           </a:xfrm>
           <a:prstGeom prst="rect">
@@ -8519,7 +9455,7 @@
           <a:blip r:embed="rId3">
             <a:extLst>
               <a:ext uri="{28A0092B-C50C-407E-A947-70E740481C1C}">
-                <a14:useLocalDpi xmlns="" xmlns:a14="http://schemas.microsoft.com/office/drawing/2010/main" val="0"/>
+                <a14:useLocalDpi xmlns:a14="http://schemas.microsoft.com/office/drawing/2010/main" xmlns="" val="0"/>
               </a:ext>
             </a:extLst>
           </a:blip>
@@ -8539,7 +9475,7 @@
           <a:noFill/>
           <a:extLst>
             <a:ext uri="{909E8E84-426E-40DD-AFC4-6F175D3DCCD1}">
-              <a14:hiddenFill xmlns="" xmlns:a14="http://schemas.microsoft.com/office/drawing/2010/main">
+              <a14:hiddenFill xmlns:a14="http://schemas.microsoft.com/office/drawing/2010/main" xmlns="">
                 <a:solidFill>
                   <a:srgbClr val="FFFFFF"/>
                 </a:solidFill>
@@ -8619,7 +9555,7 @@
         </p:nvSpPr>
         <p:spPr>
           <a:xfrm>
-            <a:off x="728623" y="3752050"/>
+            <a:off x="728623" y="4007119"/>
             <a:ext cx="1571636" cy="530749"/>
           </a:xfrm>
           <a:prstGeom prst="rect">
@@ -8698,8 +9634,8 @@
         </p:nvCxnSpPr>
         <p:spPr>
           <a:xfrm rot="16200000" flipH="1">
-            <a:off x="-483181" y="2805621"/>
-            <a:ext cx="2087386" cy="336221"/>
+            <a:off x="-610715" y="2933155"/>
+            <a:ext cx="2342455" cy="336221"/>
           </a:xfrm>
           <a:prstGeom prst="bentConnector2">
             <a:avLst/>
@@ -8820,8 +9756,8 @@
         </p:nvCxnSpPr>
         <p:spPr>
           <a:xfrm rot="10800000" flipV="1">
-            <a:off x="1514441" y="2430446"/>
-            <a:ext cx="428628" cy="1321603"/>
+            <a:off x="1514441" y="2573323"/>
+            <a:ext cx="428628" cy="1433796"/>
           </a:xfrm>
           <a:prstGeom prst="bentConnector2">
             <a:avLst/>
@@ -8858,7 +9794,7 @@
         </p:nvSpPr>
         <p:spPr>
           <a:xfrm>
-            <a:off x="1014375" y="2680480"/>
+            <a:off x="1014375" y="2823356"/>
             <a:ext cx="1643074" cy="430887"/>
           </a:xfrm>
           <a:prstGeom prst="rect">
@@ -8946,8 +9882,8 @@
         </p:nvCxnSpPr>
         <p:spPr>
           <a:xfrm>
-            <a:off x="5372093" y="2435975"/>
-            <a:ext cx="2464611" cy="1387608"/>
+            <a:off x="5372093" y="2578851"/>
+            <a:ext cx="2464611" cy="1459046"/>
           </a:xfrm>
           <a:prstGeom prst="bentConnector2">
             <a:avLst/>
@@ -8982,7 +9918,7 @@
         </p:nvSpPr>
         <p:spPr>
           <a:xfrm>
-            <a:off x="6015035" y="2108976"/>
+            <a:off x="6015035" y="2251852"/>
             <a:ext cx="1714512" cy="430887"/>
           </a:xfrm>
           <a:prstGeom prst="rect">
@@ -9029,7 +9965,7 @@
         </p:nvSpPr>
         <p:spPr>
           <a:xfrm>
-            <a:off x="3371829" y="2843355"/>
+            <a:off x="3371829" y="2986231"/>
             <a:ext cx="4357718" cy="299917"/>
           </a:xfrm>
           <a:prstGeom prst="rect">
@@ -9103,7 +10039,7 @@
         </p:nvSpPr>
         <p:spPr>
           <a:xfrm>
-            <a:off x="5443531" y="5150811"/>
+            <a:off x="5443531" y="5365125"/>
             <a:ext cx="1571636" cy="458627"/>
           </a:xfrm>
           <a:prstGeom prst="rect">
@@ -9180,7 +10116,7 @@
         </p:nvSpPr>
         <p:spPr>
           <a:xfrm>
-            <a:off x="7158043" y="5150811"/>
+            <a:off x="7158043" y="5365125"/>
             <a:ext cx="1571636" cy="458627"/>
           </a:xfrm>
           <a:prstGeom prst="rect">
@@ -9257,7 +10193,7 @@
         </p:nvSpPr>
         <p:spPr>
           <a:xfrm>
-            <a:off x="8872555" y="5150811"/>
+            <a:off x="8872555" y="5365125"/>
             <a:ext cx="1571636" cy="458627"/>
           </a:xfrm>
           <a:prstGeom prst="rect">
@@ -9316,7 +10252,7 @@
         </p:nvCxnSpPr>
         <p:spPr>
           <a:xfrm rot="5400000">
-            <a:off x="6044964" y="4507940"/>
+            <a:off x="6044964" y="4722254"/>
             <a:ext cx="827256" cy="458486"/>
           </a:xfrm>
           <a:prstGeom prst="bentConnector3">
@@ -9358,7 +10294,7 @@
         </p:nvCxnSpPr>
         <p:spPr>
           <a:xfrm rot="16200000" flipH="1">
-            <a:off x="7759476" y="3251914"/>
+            <a:off x="7759476" y="3466228"/>
             <a:ext cx="827256" cy="2970538"/>
           </a:xfrm>
           <a:prstGeom prst="bentConnector3">
@@ -9400,7 +10336,7 @@
         </p:nvCxnSpPr>
         <p:spPr>
           <a:xfrm rot="16200000" flipH="1">
-            <a:off x="6902220" y="4109170"/>
+            <a:off x="6902220" y="4323484"/>
             <a:ext cx="827256" cy="1256026"/>
           </a:xfrm>
           <a:prstGeom prst="bentConnector3">
@@ -9440,7 +10376,7 @@
         </p:nvSpPr>
         <p:spPr>
           <a:xfrm>
-            <a:off x="6372225" y="4466430"/>
+            <a:off x="6372225" y="4680744"/>
             <a:ext cx="571504" cy="261610"/>
           </a:xfrm>
           <a:prstGeom prst="rect">
@@ -10218,7 +11154,7 @@
             </a:duotone>
             <a:extLst>
               <a:ext uri="{28A0092B-C50C-407E-A947-70E740481C1C}">
-                <a14:useLocalDpi xmlns="" xmlns:a14="http://schemas.microsoft.com/office/drawing/2010/main" val="0"/>
+                <a14:useLocalDpi xmlns:a14="http://schemas.microsoft.com/office/drawing/2010/main" xmlns="" val="0"/>
               </a:ext>
             </a:extLst>
           </a:blip>
@@ -10238,7 +11174,7 @@
           <a:noFill/>
           <a:extLst>
             <a:ext uri="{909E8E84-426E-40DD-AFC4-6F175D3DCCD1}">
-              <a14:hiddenFill xmlns="" xmlns:a14="http://schemas.microsoft.com/office/drawing/2010/main">
+              <a14:hiddenFill xmlns:a14="http://schemas.microsoft.com/office/drawing/2010/main" xmlns="">
                 <a:solidFill>
                   <a:srgbClr val="FFFFFF"/>
                 </a:solidFill>
@@ -10291,7 +11227,7 @@
         </p:nvCxnSpPr>
         <p:spPr>
           <a:xfrm flipV="1">
-            <a:off x="5443531" y="4037802"/>
+            <a:off x="5443531" y="4252116"/>
             <a:ext cx="1000132" cy="433"/>
           </a:xfrm>
           <a:prstGeom prst="line">
@@ -10328,7 +11264,7 @@
         </p:nvSpPr>
         <p:spPr>
           <a:xfrm>
-            <a:off x="6372225" y="3823583"/>
+            <a:off x="6372225" y="4037897"/>
             <a:ext cx="2928958" cy="499971"/>
           </a:xfrm>
           <a:prstGeom prst="rect">
@@ -10444,7 +11380,7 @@
         <p:spPr>
           <a:xfrm>
             <a:off x="1014375" y="965968"/>
-            <a:ext cx="7072362" cy="4000528"/>
+            <a:ext cx="7072362" cy="3357586"/>
           </a:xfrm>
           <a:prstGeom prst="rect">
             <a:avLst/>
@@ -10509,8 +11445,8 @@
         </p:nvCxnSpPr>
         <p:spPr>
           <a:xfrm rot="5400000">
-            <a:off x="1622392" y="2715405"/>
-            <a:ext cx="2214578" cy="1588"/>
+            <a:off x="1872425" y="2465372"/>
+            <a:ext cx="1714512" cy="1588"/>
           </a:xfrm>
           <a:prstGeom prst="straightConnector1">
             <a:avLst/>
@@ -10543,7 +11479,7 @@
         <p:spPr>
           <a:xfrm>
             <a:off x="196863" y="195002"/>
-            <a:ext cx="3058336" cy="510299"/>
+            <a:ext cx="5579860" cy="510299"/>
           </a:xfrm>
           <a:prstGeom prst="rect">
             <a:avLst/>
@@ -10564,11 +11500,25 @@
               <a:t>NTAMS </a:t>
             </a:r>
             <a:r>
+              <a:rPr lang="ko-KR" altLang="en-US" u="sng" smtClean="0">
+                <a:latin typeface="LG Smart UI Regular" pitchFamily="50" charset="-127"/>
+                <a:ea typeface="LG Smart UI Regular" pitchFamily="50" charset="-127"/>
+              </a:rPr>
+              <a:t>운영 </a:t>
+            </a:r>
+            <a:r>
+              <a:rPr lang="en-US" altLang="ko-KR" u="sng" smtClean="0">
+                <a:latin typeface="LG Smart UI Regular" pitchFamily="50" charset="-127"/>
+                <a:ea typeface="LG Smart UI Regular" pitchFamily="50" charset="-127"/>
+              </a:rPr>
+              <a:t>ServiceAccess.jar </a:t>
+            </a:r>
+            <a:r>
               <a:rPr lang="ko-KR" altLang="en-US" smtClean="0">
                 <a:latin typeface="LG Smart UI Regular" pitchFamily="50" charset="-127"/>
                 <a:ea typeface="LG Smart UI Regular" pitchFamily="50" charset="-127"/>
               </a:rPr>
-              <a:t>개발빌드</a:t>
+              <a:t>빌드</a:t>
             </a:r>
             <a:r>
               <a:rPr lang="en-US" altLang="ko-KR" smtClean="0">
@@ -10633,7 +11583,28 @@
                 <a:latin typeface="LG Smart UI Regular" pitchFamily="50" charset="-127"/>
                 <a:ea typeface="LG Smart UI Regular" pitchFamily="50" charset="-127"/>
               </a:rPr>
-              <a:t> : BD_TAMS_DEV</a:t>
+              <a:t> : </a:t>
+            </a:r>
+            <a:r>
+              <a:rPr lang="en-US" sz="1500" smtClean="0">
+                <a:latin typeface="LG Smart UI Regular" pitchFamily="50" charset="-127"/>
+                <a:ea typeface="LG Smart UI Regular" pitchFamily="50" charset="-127"/>
+              </a:rPr>
+              <a:t>BD_TAMS_</a:t>
+            </a:r>
+            <a:r>
+              <a:rPr lang="en-US" sz="1500" smtClean="0">
+                <a:latin typeface="LG Smart UI Regular" pitchFamily="50" charset="-127"/>
+                <a:ea typeface="LG Smart UI Regular" pitchFamily="50" charset="-127"/>
+              </a:rPr>
+              <a:t>SA_</a:t>
+            </a:r>
+            <a:r>
+              <a:rPr lang="en-US" sz="1500" smtClean="0">
+                <a:latin typeface="LG Smart UI Regular" pitchFamily="50" charset="-127"/>
+                <a:ea typeface="LG Smart UI Regular" pitchFamily="50" charset="-127"/>
+              </a:rPr>
+              <a:t>PROD</a:t>
             </a:r>
             <a:endParaRPr lang="en-US" sz="1500">
               <a:latin typeface="LG Smart UI Regular" pitchFamily="50" charset="-127"/>
@@ -10727,7 +11698,7 @@
         </p:nvSpPr>
         <p:spPr>
           <a:xfrm>
-            <a:off x="2943201" y="2286016"/>
+            <a:off x="2943201" y="2537604"/>
             <a:ext cx="2428892" cy="299917"/>
           </a:xfrm>
           <a:prstGeom prst="rect">
@@ -10754,14 +11725,7 @@
                 <a:latin typeface="LG Smart UI Regular" pitchFamily="50" charset="-127"/>
                 <a:ea typeface="LG Smart UI Regular" pitchFamily="50" charset="-127"/>
               </a:rPr>
-              <a:t>Maven</a:t>
-            </a:r>
-            <a:r>
-              <a:rPr lang="ko-KR" altLang="en-US" sz="1500" smtClean="0">
-                <a:latin typeface="LG Smart UI Regular" pitchFamily="50" charset="-127"/>
-                <a:ea typeface="LG Smart UI Regular" pitchFamily="50" charset="-127"/>
-              </a:rPr>
-              <a:t> </a:t>
+              <a:t>Ant </a:t>
             </a:r>
             <a:r>
               <a:rPr lang="ko-KR" altLang="en-US" sz="1500" b="1" smtClean="0">
@@ -10774,18 +11738,18 @@
               <a:t>빌드</a:t>
             </a:r>
             <a:r>
-              <a:rPr lang="ko-KR" altLang="en-US" sz="1500" smtClean="0">
-                <a:latin typeface="LG Smart UI Regular" pitchFamily="50" charset="-127"/>
-                <a:ea typeface="LG Smart UI Regular" pitchFamily="50" charset="-127"/>
-              </a:rPr>
-              <a:t> </a:t>
+              <a:rPr lang="en-US" sz="1500" smtClean="0">
+                <a:latin typeface="LG Smart UI Regular" pitchFamily="50" charset="-127"/>
+                <a:ea typeface="LG Smart UI Regular" pitchFamily="50" charset="-127"/>
+              </a:rPr>
+              <a:t> (build.xml</a:t>
             </a:r>
             <a:r>
               <a:rPr lang="en-US" altLang="ko-KR" sz="1500" smtClean="0">
                 <a:latin typeface="LG Smart UI Regular" pitchFamily="50" charset="-127"/>
                 <a:ea typeface="LG Smart UI Regular" pitchFamily="50" charset="-127"/>
               </a:rPr>
-              <a:t>(pom.xml)</a:t>
+              <a:t>)</a:t>
             </a:r>
             <a:endParaRPr lang="en-US" sz="1500">
               <a:latin typeface="LG Smart UI Regular" pitchFamily="50" charset="-127"/>
@@ -10796,14 +11760,14 @@
       </p:sp>
       <p:sp>
         <p:nvSpPr>
-          <p:cNvPr id="7" name="직사각형 6"/>
+          <p:cNvPr id="10" name="직사각형 9"/>
           <p:cNvSpPr/>
           <p:nvPr/>
         </p:nvSpPr>
         <p:spPr>
           <a:xfrm>
-            <a:off x="3014639" y="2571768"/>
-            <a:ext cx="4429156" cy="253750"/>
+            <a:off x="3014639" y="2823356"/>
+            <a:ext cx="7215238" cy="253750"/>
           </a:xfrm>
           <a:prstGeom prst="rect">
             <a:avLst/>
@@ -10825,7 +11789,15 @@
             </a:r>
             <a:r>
               <a:rPr lang="en-US" sz="1200" smtClean="0"/>
-              <a:t>mvn -f GAAI/pom_prod.xml clean package</a:t>
+              <a:t>ant -buildfile </a:t>
+            </a:r>
+            <a:r>
+              <a:rPr lang="en-US" sz="1200" smtClean="0"/>
+              <a:t>GAAI_ServiceAccess/build_prod.xml </a:t>
+            </a:r>
+            <a:r>
+              <a:rPr lang="en-US" sz="1200" smtClean="0"/>
+              <a:t>all</a:t>
             </a:r>
             <a:endParaRPr lang="en-US" sz="1200"/>
           </a:p>
@@ -10883,7 +11855,7 @@
         </p:nvSpPr>
         <p:spPr>
           <a:xfrm>
-            <a:off x="1943069" y="2251852"/>
+            <a:off x="1943069" y="2503440"/>
             <a:ext cx="1000132" cy="357190"/>
           </a:xfrm>
           <a:prstGeom prst="roundRect">
@@ -10919,6 +11891,1548 @@
           </a:p>
         </p:txBody>
       </p:sp>
+      <p:sp>
+        <p:nvSpPr>
+          <p:cNvPr id="41" name="직사각형 40"/>
+          <p:cNvSpPr/>
+          <p:nvPr/>
+        </p:nvSpPr>
+        <p:spPr>
+          <a:xfrm>
+            <a:off x="3371829" y="3237819"/>
+            <a:ext cx="3786214" cy="299917"/>
+          </a:xfrm>
+          <a:prstGeom prst="rect">
+            <a:avLst/>
+          </a:prstGeom>
+          <a:solidFill>
+            <a:schemeClr val="bg1"/>
+          </a:solidFill>
+          <a:ln>
+            <a:noFill/>
+          </a:ln>
+          <a:effectLst>
+            <a:outerShdw blurRad="50800" dist="38100" dir="2700000" algn="tl" rotWithShape="0">
+              <a:prstClr val="black">
+                <a:alpha val="40000"/>
+              </a:prstClr>
+            </a:outerShdw>
+          </a:effectLst>
+        </p:spPr>
+        <p:txBody>
+          <a:bodyPr wrap="square" lIns="68415" tIns="34208" rIns="68415" bIns="34208">
+            <a:spAutoFit/>
+          </a:bodyPr>
+          <a:lstStyle/>
+          <a:p>
+            <a:r>
+              <a:rPr lang="en-US" sz="1500" smtClean="0">
+                <a:solidFill>
+                  <a:srgbClr val="FF00FF"/>
+                </a:solidFill>
+                <a:latin typeface="LG Smart UI Regular" pitchFamily="50" charset="-127"/>
+                <a:ea typeface="LG Smart UI Regular" pitchFamily="50" charset="-127"/>
+              </a:rPr>
+              <a:t>init &gt; compile&lt;javac&gt; &gt; jar</a:t>
+            </a:r>
+            <a:r>
+              <a:rPr lang="ko-KR" altLang="en-US" sz="1500" smtClean="0">
+                <a:solidFill>
+                  <a:srgbClr val="FF00FF"/>
+                </a:solidFill>
+                <a:latin typeface="LG Smart UI Regular" pitchFamily="50" charset="-127"/>
+                <a:ea typeface="LG Smart UI Regular" pitchFamily="50" charset="-127"/>
+              </a:rPr>
+              <a:t>생성 </a:t>
+            </a:r>
+            <a:r>
+              <a:rPr lang="en-US" altLang="ko-KR" sz="1500" smtClean="0">
+                <a:solidFill>
+                  <a:srgbClr val="FF00FF"/>
+                </a:solidFill>
+                <a:latin typeface="LG Smart UI Regular" pitchFamily="50" charset="-127"/>
+                <a:ea typeface="LG Smart UI Regular" pitchFamily="50" charset="-127"/>
+              </a:rPr>
+              <a:t>&gt; scp </a:t>
+            </a:r>
+            <a:r>
+              <a:rPr lang="ko-KR" altLang="en-US" sz="1500" smtClean="0">
+                <a:solidFill>
+                  <a:srgbClr val="FF00FF"/>
+                </a:solidFill>
+                <a:latin typeface="LG Smart UI Regular" pitchFamily="50" charset="-127"/>
+                <a:ea typeface="LG Smart UI Regular" pitchFamily="50" charset="-127"/>
+              </a:rPr>
+              <a:t>배포</a:t>
+            </a:r>
+            <a:r>
+              <a:rPr lang="en-US" sz="1500" smtClean="0">
+                <a:solidFill>
+                  <a:srgbClr val="FF00FF"/>
+                </a:solidFill>
+                <a:latin typeface="LG Smart UI Regular" pitchFamily="50" charset="-127"/>
+                <a:ea typeface="LG Smart UI Regular" pitchFamily="50" charset="-127"/>
+              </a:rPr>
+              <a:t> </a:t>
+            </a:r>
+            <a:endParaRPr lang="en-US" sz="1500">
+              <a:solidFill>
+                <a:srgbClr val="FF00FF"/>
+              </a:solidFill>
+              <a:latin typeface="LG Smart UI Regular" pitchFamily="50" charset="-127"/>
+              <a:ea typeface="LG Smart UI Regular" pitchFamily="50" charset="-127"/>
+            </a:endParaRPr>
+          </a:p>
+        </p:txBody>
+      </p:sp>
+      <p:sp>
+        <p:nvSpPr>
+          <p:cNvPr id="55" name="직사각형 54"/>
+          <p:cNvSpPr/>
+          <p:nvPr/>
+        </p:nvSpPr>
+        <p:spPr>
+          <a:xfrm>
+            <a:off x="4943465" y="5150716"/>
+            <a:ext cx="1571636" cy="458627"/>
+          </a:xfrm>
+          <a:prstGeom prst="rect">
+            <a:avLst/>
+          </a:prstGeom>
+          <a:solidFill>
+            <a:srgbClr val="FF99FF"/>
+          </a:solidFill>
+          <a:ln>
+            <a:solidFill>
+              <a:schemeClr val="tx1"/>
+            </a:solidFill>
+          </a:ln>
+        </p:spPr>
+        <p:style>
+          <a:lnRef idx="2">
+            <a:schemeClr val="accent1">
+              <a:shade val="50000"/>
+            </a:schemeClr>
+          </a:lnRef>
+          <a:fillRef idx="1">
+            <a:schemeClr val="accent1"/>
+          </a:fillRef>
+          <a:effectRef idx="0">
+            <a:schemeClr val="accent1"/>
+          </a:effectRef>
+          <a:fontRef idx="minor">
+            <a:schemeClr val="lt1"/>
+          </a:fontRef>
+        </p:style>
+        <p:txBody>
+          <a:bodyPr rtlCol="0" anchor="ctr"/>
+          <a:lstStyle/>
+          <a:p>
+            <a:pPr algn="ctr"/>
+            <a:r>
+              <a:rPr lang="ko-KR" altLang="en-US" sz="1300" smtClean="0">
+                <a:solidFill>
+                  <a:schemeClr val="tx1"/>
+                </a:solidFill>
+                <a:latin typeface="LG Smart UI Regular" pitchFamily="50" charset="-127"/>
+                <a:ea typeface="LG Smart UI Regular" pitchFamily="50" charset="-127"/>
+              </a:rPr>
+              <a:t>배치</a:t>
+            </a:r>
+            <a:r>
+              <a:rPr lang="en-US" altLang="ko-KR" sz="1300" smtClean="0">
+                <a:solidFill>
+                  <a:schemeClr val="tx1"/>
+                </a:solidFill>
+                <a:latin typeface="LG Smart UI Regular" pitchFamily="50" charset="-127"/>
+                <a:ea typeface="LG Smart UI Regular" pitchFamily="50" charset="-127"/>
+              </a:rPr>
+              <a:t>#1</a:t>
+            </a:r>
+            <a:r>
+              <a:rPr lang="en-US" altLang="ko-KR" sz="1300" smtClean="0">
+                <a:solidFill>
+                  <a:schemeClr val="tx1"/>
+                </a:solidFill>
+                <a:latin typeface="LG Smart UI Regular" pitchFamily="50" charset="-127"/>
+                <a:ea typeface="LG Smart UI Regular" pitchFamily="50" charset="-127"/>
+              </a:rPr>
+              <a:t>, </a:t>
+            </a:r>
+            <a:r>
+              <a:rPr lang="en-US" altLang="ko-KR" sz="1300" smtClean="0">
+                <a:solidFill>
+                  <a:schemeClr val="tx1"/>
+                </a:solidFill>
+                <a:latin typeface="LG Smart UI Regular" pitchFamily="50" charset="-127"/>
+                <a:ea typeface="LG Smart UI Regular" pitchFamily="50" charset="-127"/>
+              </a:rPr>
+              <a:t>#2</a:t>
+            </a:r>
+          </a:p>
+        </p:txBody>
+      </p:sp>
+      <p:cxnSp>
+        <p:nvCxnSpPr>
+          <p:cNvPr id="59" name="Shape 55"/>
+          <p:cNvCxnSpPr>
+            <a:endCxn id="55" idx="0"/>
+          </p:cNvCxnSpPr>
+          <p:nvPr/>
+        </p:nvCxnSpPr>
+        <p:spPr>
+          <a:xfrm rot="16200000" flipH="1">
+            <a:off x="3830386" y="3251819"/>
+            <a:ext cx="827256" cy="2970538"/>
+          </a:xfrm>
+          <a:prstGeom prst="bentConnector3">
+            <a:avLst>
+              <a:gd name="adj1" fmla="val 50000"/>
+            </a:avLst>
+          </a:prstGeom>
+          <a:ln>
+            <a:solidFill>
+              <a:schemeClr val="accent6">
+                <a:lumMod val="75000"/>
+              </a:schemeClr>
+            </a:solidFill>
+            <a:tailEnd type="arrow"/>
+          </a:ln>
+        </p:spPr>
+        <p:style>
+          <a:lnRef idx="1">
+            <a:schemeClr val="accent1"/>
+          </a:lnRef>
+          <a:fillRef idx="0">
+            <a:schemeClr val="accent1"/>
+          </a:fillRef>
+          <a:effectRef idx="0">
+            <a:schemeClr val="accent1"/>
+          </a:effectRef>
+          <a:fontRef idx="minor">
+            <a:schemeClr val="tx1"/>
+          </a:fontRef>
+        </p:style>
+      </p:cxnSp>
+      <p:cxnSp>
+        <p:nvCxnSpPr>
+          <p:cNvPr id="62" name="Shape 55"/>
+          <p:cNvCxnSpPr/>
+          <p:nvPr/>
+        </p:nvCxnSpPr>
+        <p:spPr>
+          <a:xfrm rot="16200000" flipH="1">
+            <a:off x="2973130" y="4109075"/>
+            <a:ext cx="827256" cy="1256026"/>
+          </a:xfrm>
+          <a:prstGeom prst="bentConnector3">
+            <a:avLst>
+              <a:gd name="adj1" fmla="val 50000"/>
+            </a:avLst>
+          </a:prstGeom>
+          <a:ln>
+            <a:solidFill>
+              <a:schemeClr val="accent6">
+                <a:lumMod val="75000"/>
+              </a:schemeClr>
+            </a:solidFill>
+            <a:tailEnd type="arrow"/>
+          </a:ln>
+        </p:spPr>
+        <p:style>
+          <a:lnRef idx="1">
+            <a:schemeClr val="accent1"/>
+          </a:lnRef>
+          <a:fillRef idx="0">
+            <a:schemeClr val="accent1"/>
+          </a:fillRef>
+          <a:effectRef idx="0">
+            <a:schemeClr val="accent1"/>
+          </a:effectRef>
+          <a:fontRef idx="minor">
+            <a:schemeClr val="tx1"/>
+          </a:fontRef>
+        </p:style>
+      </p:cxnSp>
+      <p:sp>
+        <p:nvSpPr>
+          <p:cNvPr id="65" name="직사각형 64"/>
+          <p:cNvSpPr/>
+          <p:nvPr/>
+        </p:nvSpPr>
+        <p:spPr>
+          <a:xfrm>
+            <a:off x="2443135" y="4466335"/>
+            <a:ext cx="571504" cy="261610"/>
+          </a:xfrm>
+          <a:prstGeom prst="rect">
+            <a:avLst/>
+          </a:prstGeom>
+          <a:solidFill>
+            <a:schemeClr val="bg1">
+              <a:lumMod val="95000"/>
+            </a:schemeClr>
+          </a:solidFill>
+        </p:spPr>
+        <p:txBody>
+          <a:bodyPr wrap="square">
+            <a:spAutoFit/>
+          </a:bodyPr>
+          <a:lstStyle/>
+          <a:p>
+            <a:r>
+              <a:rPr lang="en-US" altLang="ko-KR" sz="1100" smtClean="0">
+                <a:latin typeface="HY궁서B" pitchFamily="18" charset="-127"/>
+                <a:ea typeface="HY궁서B" pitchFamily="18" charset="-127"/>
+              </a:rPr>
+              <a:t>scp</a:t>
+            </a:r>
+          </a:p>
+        </p:txBody>
+      </p:sp>
+      <p:grpSp>
+        <p:nvGrpSpPr>
+          <p:cNvPr id="8" name="그룹 70"/>
+          <p:cNvGrpSpPr/>
+          <p:nvPr/>
+        </p:nvGrpSpPr>
+        <p:grpSpPr>
+          <a:xfrm>
+            <a:off x="8515365" y="323026"/>
+            <a:ext cx="4000528" cy="2077492"/>
+            <a:chOff x="8729679" y="3894926"/>
+            <a:chExt cx="3500462" cy="2077492"/>
+          </a:xfrm>
+        </p:grpSpPr>
+        <p:sp>
+          <p:nvSpPr>
+            <p:cNvPr id="72" name="직사각형 71"/>
+            <p:cNvSpPr/>
+            <p:nvPr/>
+          </p:nvSpPr>
+          <p:spPr>
+            <a:xfrm>
+              <a:off x="8729679" y="3894926"/>
+              <a:ext cx="3500462" cy="2077492"/>
+            </a:xfrm>
+            <a:prstGeom prst="rect">
+              <a:avLst/>
+            </a:prstGeom>
+            <a:solidFill>
+              <a:schemeClr val="bg1">
+                <a:lumMod val="95000"/>
+              </a:schemeClr>
+            </a:solidFill>
+            <a:effectLst>
+              <a:outerShdw blurRad="50800" dist="38100" dir="2700000" algn="tl" rotWithShape="0">
+                <a:prstClr val="black">
+                  <a:alpha val="40000"/>
+                </a:prstClr>
+              </a:outerShdw>
+            </a:effectLst>
+          </p:spPr>
+          <p:txBody>
+            <a:bodyPr wrap="square">
+              <a:spAutoFit/>
+            </a:bodyPr>
+            <a:lstStyle/>
+            <a:p>
+              <a:endParaRPr lang="en-US" sz="1000" smtClean="0">
+                <a:latin typeface="HY궁서B" pitchFamily="18" charset="-127"/>
+                <a:ea typeface="HY궁서B" pitchFamily="18" charset="-127"/>
+              </a:endParaRPr>
+            </a:p>
+            <a:p>
+              <a:endParaRPr lang="en-US" sz="1000" smtClean="0">
+                <a:latin typeface="HY궁서B" pitchFamily="18" charset="-127"/>
+                <a:ea typeface="HY궁서B" pitchFamily="18" charset="-127"/>
+              </a:endParaRPr>
+            </a:p>
+            <a:p>
+              <a:endParaRPr lang="en-US" sz="1000" smtClean="0">
+                <a:latin typeface="HY궁서B" pitchFamily="18" charset="-127"/>
+                <a:ea typeface="HY궁서B" pitchFamily="18" charset="-127"/>
+              </a:endParaRPr>
+            </a:p>
+            <a:p>
+              <a:pPr>
+                <a:buFont typeface="Arial" pitchFamily="34" charset="0"/>
+                <a:buChar char="•"/>
+              </a:pPr>
+              <a:r>
+                <a:rPr lang="en-US" altLang="ko-KR" sz="1300" smtClean="0">
+                  <a:latin typeface="HY궁서B" pitchFamily="18" charset="-127"/>
+                  <a:ea typeface="HY궁서B" pitchFamily="18" charset="-127"/>
+                  <a:cs typeface="맑은 고딕 Semilight" pitchFamily="50" charset="-127"/>
+                </a:rPr>
+                <a:t> branch</a:t>
+              </a:r>
+            </a:p>
+            <a:p>
+              <a:pPr>
+                <a:buFont typeface="Arial" pitchFamily="34" charset="0"/>
+                <a:buChar char="•"/>
+              </a:pPr>
+              <a:r>
+                <a:rPr lang="en-US" altLang="ko-KR" sz="1300" smtClean="0">
+                  <a:latin typeface="HY궁서B" pitchFamily="18" charset="-127"/>
+                  <a:ea typeface="HY궁서B" pitchFamily="18" charset="-127"/>
+                  <a:cs typeface="맑은 고딕 Semilight" pitchFamily="50" charset="-127"/>
+                </a:rPr>
+                <a:t> tag</a:t>
+              </a:r>
+            </a:p>
+            <a:p>
+              <a:pPr>
+                <a:buFont typeface="Arial" pitchFamily="34" charset="0"/>
+                <a:buChar char="•"/>
+              </a:pPr>
+              <a:r>
+                <a:rPr lang="en-US" altLang="ko-KR" sz="1300" u="sng" smtClean="0">
+                  <a:latin typeface="HY궁서B" pitchFamily="18" charset="-127"/>
+                  <a:ea typeface="HY궁서B" pitchFamily="18" charset="-127"/>
+                  <a:cs typeface="맑은 고딕 Semilight" pitchFamily="50" charset="-127"/>
+                </a:rPr>
+                <a:t> trunk</a:t>
+              </a:r>
+            </a:p>
+            <a:p>
+              <a:r>
+                <a:rPr lang="en-US" sz="1000" smtClean="0">
+                  <a:solidFill>
+                    <a:schemeClr val="tx1">
+                      <a:lumMod val="50000"/>
+                      <a:lumOff val="50000"/>
+                    </a:schemeClr>
+                  </a:solidFill>
+                  <a:latin typeface="HY궁서B" pitchFamily="18" charset="-127"/>
+                  <a:ea typeface="HY궁서B" pitchFamily="18" charset="-127"/>
+                </a:rPr>
+                <a:t>    │</a:t>
+              </a:r>
+            </a:p>
+            <a:p>
+              <a:r>
+                <a:rPr lang="en-US" altLang="ko-KR" sz="1000" smtClean="0">
+                  <a:solidFill>
+                    <a:schemeClr val="tx1">
+                      <a:lumMod val="50000"/>
+                      <a:lumOff val="50000"/>
+                    </a:schemeClr>
+                  </a:solidFill>
+                  <a:latin typeface="HY궁서B" pitchFamily="18" charset="-127"/>
+                  <a:ea typeface="HY궁서B" pitchFamily="18" charset="-127"/>
+                </a:rPr>
+                <a:t> </a:t>
+              </a:r>
+              <a:r>
+                <a:rPr lang="en-US" sz="1000" smtClean="0">
+                  <a:solidFill>
+                    <a:schemeClr val="tx1">
+                      <a:lumMod val="50000"/>
+                      <a:lumOff val="50000"/>
+                    </a:schemeClr>
+                  </a:solidFill>
+                </a:rPr>
+                <a:t>GAAI_ServiceAccess</a:t>
+              </a:r>
+              <a:r>
+                <a:rPr lang="en-US" altLang="ko-KR" sz="1000" smtClean="0">
+                  <a:solidFill>
+                    <a:schemeClr val="tx1">
+                      <a:lumMod val="50000"/>
+                      <a:lumOff val="50000"/>
+                    </a:schemeClr>
+                  </a:solidFill>
+                  <a:latin typeface="HY궁서B" pitchFamily="18" charset="-127"/>
+                  <a:ea typeface="HY궁서B" pitchFamily="18" charset="-127"/>
+                </a:rPr>
+                <a:t>/</a:t>
+              </a:r>
+              <a:endParaRPr lang="en-US" altLang="ko-KR" sz="1000" smtClean="0">
+                <a:solidFill>
+                  <a:schemeClr val="tx1">
+                    <a:lumMod val="50000"/>
+                    <a:lumOff val="50000"/>
+                  </a:schemeClr>
+                </a:solidFill>
+                <a:latin typeface="HY궁서B" pitchFamily="18" charset="-127"/>
+                <a:ea typeface="HY궁서B" pitchFamily="18" charset="-127"/>
+              </a:endParaRPr>
+            </a:p>
+            <a:p>
+              <a:r>
+                <a:rPr lang="en-US" sz="1000" smtClean="0">
+                  <a:solidFill>
+                    <a:schemeClr val="tx1">
+                      <a:lumMod val="50000"/>
+                      <a:lumOff val="50000"/>
+                    </a:schemeClr>
+                  </a:solidFill>
+                  <a:latin typeface="HY궁서B" pitchFamily="18" charset="-127"/>
+                  <a:ea typeface="HY궁서B" pitchFamily="18" charset="-127"/>
+                </a:rPr>
+                <a:t>       </a:t>
+              </a:r>
+              <a:r>
+                <a:rPr lang="en-US" sz="1000" smtClean="0">
+                  <a:solidFill>
+                    <a:schemeClr val="tx1">
+                      <a:lumMod val="50000"/>
+                      <a:lumOff val="50000"/>
+                    </a:schemeClr>
+                  </a:solidFill>
+                  <a:latin typeface="HY궁서B" pitchFamily="18" charset="-127"/>
+                  <a:ea typeface="HY궁서B" pitchFamily="18" charset="-127"/>
+                </a:rPr>
+                <a:t>│</a:t>
+              </a:r>
+              <a:endParaRPr lang="en-US" altLang="ko-KR" sz="1000" smtClean="0">
+                <a:solidFill>
+                  <a:schemeClr val="tx1">
+                    <a:lumMod val="50000"/>
+                    <a:lumOff val="50000"/>
+                  </a:schemeClr>
+                </a:solidFill>
+                <a:latin typeface="HY궁서B" pitchFamily="18" charset="-127"/>
+                <a:ea typeface="HY궁서B" pitchFamily="18" charset="-127"/>
+              </a:endParaRPr>
+            </a:p>
+            <a:p>
+              <a:r>
+                <a:rPr lang="ko-KR" altLang="en-US" sz="1000" smtClean="0">
+                  <a:solidFill>
+                    <a:schemeClr val="tx1">
+                      <a:lumMod val="50000"/>
+                      <a:lumOff val="50000"/>
+                    </a:schemeClr>
+                  </a:solidFill>
+                  <a:latin typeface="HY궁서B" pitchFamily="18" charset="-127"/>
+                  <a:ea typeface="HY궁서B" pitchFamily="18" charset="-127"/>
+                </a:rPr>
+                <a:t>       ├── </a:t>
+              </a:r>
+              <a:r>
+                <a:rPr lang="en-US" altLang="ko-KR" sz="1000" smtClean="0">
+                  <a:solidFill>
+                    <a:schemeClr val="tx1">
+                      <a:lumMod val="50000"/>
+                      <a:lumOff val="50000"/>
+                    </a:schemeClr>
+                  </a:solidFill>
+                  <a:latin typeface="HY궁서B" pitchFamily="18" charset="-127"/>
+                  <a:ea typeface="HY궁서B" pitchFamily="18" charset="-127"/>
+                </a:rPr>
+                <a:t>build_prod.xml </a:t>
+              </a:r>
+              <a:r>
+                <a:rPr lang="en-US" sz="1000" smtClean="0">
+                  <a:solidFill>
+                    <a:schemeClr val="tx1">
+                      <a:lumMod val="50000"/>
+                      <a:lumOff val="50000"/>
+                    </a:schemeClr>
+                  </a:solidFill>
+                  <a:latin typeface="HY궁서B" pitchFamily="18" charset="-127"/>
+                  <a:ea typeface="HY궁서B" pitchFamily="18" charset="-127"/>
+                </a:rPr>
+                <a:t>(“ant </a:t>
+              </a:r>
+              <a:r>
+                <a:rPr lang="ko-KR" altLang="en-US" sz="1000" smtClean="0">
+                  <a:solidFill>
+                    <a:schemeClr val="tx1">
+                      <a:lumMod val="50000"/>
+                      <a:lumOff val="50000"/>
+                    </a:schemeClr>
+                  </a:solidFill>
+                  <a:latin typeface="HY궁서B" pitchFamily="18" charset="-127"/>
+                  <a:ea typeface="HY궁서B" pitchFamily="18" charset="-127"/>
+                </a:rPr>
+                <a:t>빌드파일</a:t>
+              </a:r>
+              <a:r>
+                <a:rPr lang="en-US" altLang="ko-KR" sz="1000" smtClean="0">
+                  <a:solidFill>
+                    <a:schemeClr val="tx1">
+                      <a:lumMod val="50000"/>
+                      <a:lumOff val="50000"/>
+                    </a:schemeClr>
+                  </a:solidFill>
+                  <a:latin typeface="HY궁서B" pitchFamily="18" charset="-127"/>
+                  <a:ea typeface="HY궁서B" pitchFamily="18" charset="-127"/>
+                </a:rPr>
+                <a:t>")</a:t>
+              </a:r>
+            </a:p>
+            <a:p>
+              <a:r>
+                <a:rPr lang="en-US" sz="1000" smtClean="0">
+                  <a:solidFill>
+                    <a:schemeClr val="tx1">
+                      <a:lumMod val="50000"/>
+                      <a:lumOff val="50000"/>
+                    </a:schemeClr>
+                  </a:solidFill>
+                  <a:latin typeface="HY궁서B" pitchFamily="18" charset="-127"/>
+                  <a:ea typeface="HY궁서B" pitchFamily="18" charset="-127"/>
+                </a:rPr>
+                <a:t>       │</a:t>
+              </a:r>
+            </a:p>
+            <a:p>
+              <a:r>
+                <a:rPr lang="en-US" sz="1000" smtClean="0">
+                  <a:solidFill>
+                    <a:schemeClr val="tx1">
+                      <a:lumMod val="50000"/>
+                      <a:lumOff val="50000"/>
+                    </a:schemeClr>
+                  </a:solidFill>
+                  <a:latin typeface="HY궁서B" pitchFamily="18" charset="-127"/>
+                  <a:ea typeface="HY궁서B" pitchFamily="18" charset="-127"/>
+                </a:rPr>
+                <a:t>       └── </a:t>
+              </a:r>
+              <a:r>
+                <a:rPr lang="ko-KR" altLang="en-US" sz="1000" smtClean="0">
+                  <a:solidFill>
+                    <a:schemeClr val="tx1">
+                      <a:lumMod val="50000"/>
+                      <a:lumOff val="50000"/>
+                    </a:schemeClr>
+                  </a:solidFill>
+                  <a:latin typeface="HY궁서B" pitchFamily="18" charset="-127"/>
+                  <a:ea typeface="HY궁서B" pitchFamily="18" charset="-127"/>
+                </a:rPr>
+                <a:t>소스파일</a:t>
+              </a:r>
+              <a:r>
+                <a:rPr lang="en-US" altLang="ko-KR" sz="1000" smtClean="0">
+                  <a:solidFill>
+                    <a:schemeClr val="tx1">
+                      <a:lumMod val="50000"/>
+                      <a:lumOff val="50000"/>
+                    </a:schemeClr>
+                  </a:solidFill>
+                  <a:latin typeface="HY궁서B" pitchFamily="18" charset="-127"/>
+                  <a:ea typeface="HY궁서B" pitchFamily="18" charset="-127"/>
+                </a:rPr>
+                <a:t>……</a:t>
+              </a:r>
+              <a:endParaRPr lang="ko-KR" altLang="en-US" sz="1000" smtClean="0">
+                <a:solidFill>
+                  <a:schemeClr val="tx1">
+                    <a:lumMod val="50000"/>
+                    <a:lumOff val="50000"/>
+                  </a:schemeClr>
+                </a:solidFill>
+                <a:latin typeface="HY궁서B" pitchFamily="18" charset="-127"/>
+                <a:ea typeface="HY궁서B" pitchFamily="18" charset="-127"/>
+              </a:endParaRPr>
+            </a:p>
+          </p:txBody>
+        </p:sp>
+        <p:pic>
+          <p:nvPicPr>
+            <p:cNvPr id="73" name="Picture 18" descr="Subversion&quot; Icon - Download for free – Iconduck"/>
+            <p:cNvPicPr>
+              <a:picLocks noChangeAspect="1" noChangeArrowheads="1"/>
+            </p:cNvPicPr>
+            <p:nvPr/>
+          </p:nvPicPr>
+          <p:blipFill>
+            <a:blip r:embed="rId3" cstate="print"/>
+            <a:srcRect/>
+            <a:stretch>
+              <a:fillRect/>
+            </a:stretch>
+          </p:blipFill>
+          <p:spPr bwMode="auto">
+            <a:xfrm>
+              <a:off x="8729679" y="3894926"/>
+              <a:ext cx="369177" cy="355010"/>
+            </a:xfrm>
+            <a:prstGeom prst="rect">
+              <a:avLst/>
+            </a:prstGeom>
+            <a:noFill/>
+          </p:spPr>
+        </p:pic>
+        <p:sp>
+          <p:nvSpPr>
+            <p:cNvPr id="74" name="직사각형 73"/>
+            <p:cNvSpPr/>
+            <p:nvPr/>
+          </p:nvSpPr>
+          <p:spPr>
+            <a:xfrm>
+              <a:off x="9086869" y="3894926"/>
+              <a:ext cx="1226618" cy="323165"/>
+            </a:xfrm>
+            <a:prstGeom prst="rect">
+              <a:avLst/>
+            </a:prstGeom>
+          </p:spPr>
+          <p:txBody>
+            <a:bodyPr wrap="none">
+              <a:spAutoFit/>
+            </a:bodyPr>
+            <a:lstStyle/>
+            <a:p>
+              <a:pPr algn="ctr"/>
+              <a:r>
+                <a:rPr lang="en-US" altLang="ko-KR" sz="1500" b="1" smtClean="0">
+                  <a:latin typeface="LG Smart UI Regular" pitchFamily="50" charset="-127"/>
+                  <a:ea typeface="LG Smart UI Regular" pitchFamily="50" charset="-127"/>
+                  <a:cs typeface="맑은 고딕 Semilight" pitchFamily="50" charset="-127"/>
+                </a:rPr>
+                <a:t>svn(</a:t>
+              </a:r>
+              <a:r>
+                <a:rPr lang="ko-KR" altLang="en-US" sz="1500" b="1" smtClean="0">
+                  <a:latin typeface="LG Smart UI Regular" pitchFamily="50" charset="-127"/>
+                  <a:ea typeface="LG Smart UI Regular" pitchFamily="50" charset="-127"/>
+                  <a:cs typeface="맑은 고딕 Semilight" pitchFamily="50" charset="-127"/>
+                </a:rPr>
+                <a:t>형상관리</a:t>
+              </a:r>
+              <a:r>
+                <a:rPr lang="en-US" altLang="ko-KR" sz="1500" b="1" smtClean="0">
+                  <a:latin typeface="LG Smart UI Regular" pitchFamily="50" charset="-127"/>
+                  <a:ea typeface="LG Smart UI Regular" pitchFamily="50" charset="-127"/>
+                  <a:cs typeface="맑은 고딕 Semilight" pitchFamily="50" charset="-127"/>
+                </a:rPr>
+                <a:t>)</a:t>
+              </a:r>
+              <a:endParaRPr lang="ko-KR" altLang="en-US" sz="1500" b="1">
+                <a:latin typeface="LG Smart UI Regular" pitchFamily="50" charset="-127"/>
+                <a:ea typeface="LG Smart UI Regular" pitchFamily="50" charset="-127"/>
+                <a:cs typeface="맑은 고딕 Semilight" pitchFamily="50" charset="-127"/>
+              </a:endParaRPr>
+            </a:p>
+          </p:txBody>
+        </p:sp>
+      </p:grpSp>
+      <p:cxnSp>
+        <p:nvCxnSpPr>
+          <p:cNvPr id="80" name="Shape 79"/>
+          <p:cNvCxnSpPr/>
+          <p:nvPr/>
+        </p:nvCxnSpPr>
+        <p:spPr>
+          <a:xfrm rot="10800000" flipV="1">
+            <a:off x="5372093" y="1323158"/>
+            <a:ext cx="3214710" cy="684188"/>
+          </a:xfrm>
+          <a:prstGeom prst="bentConnector3">
+            <a:avLst>
+              <a:gd name="adj1" fmla="val 50000"/>
+            </a:avLst>
+          </a:prstGeom>
+          <a:ln>
+            <a:solidFill>
+              <a:srgbClr val="3C10F6"/>
+            </a:solidFill>
+            <a:tailEnd type="arrow"/>
+          </a:ln>
+        </p:spPr>
+        <p:style>
+          <a:lnRef idx="1">
+            <a:schemeClr val="accent1"/>
+          </a:lnRef>
+          <a:fillRef idx="0">
+            <a:schemeClr val="accent1"/>
+          </a:fillRef>
+          <a:effectRef idx="0">
+            <a:schemeClr val="accent1"/>
+          </a:effectRef>
+          <a:fontRef idx="minor">
+            <a:schemeClr val="tx1"/>
+          </a:fontRef>
+        </p:style>
+      </p:cxnSp>
+      <p:pic>
+        <p:nvPicPr>
+          <p:cNvPr id="84" name="Picture 109" descr="Picture30"/>
+          <p:cNvPicPr>
+            <a:picLocks noChangeAspect="1" noChangeArrowheads="1"/>
+          </p:cNvPicPr>
+          <p:nvPr/>
+        </p:nvPicPr>
+        <p:blipFill>
+          <a:blip r:embed="rId4">
+            <a:duotone>
+              <a:schemeClr val="accent2">
+                <a:shade val="45000"/>
+                <a:satMod val="135000"/>
+              </a:schemeClr>
+              <a:prstClr val="white"/>
+            </a:duotone>
+            <a:extLst>
+              <a:ext uri="{28A0092B-C50C-407E-A947-70E740481C1C}">
+                <a14:useLocalDpi xmlns:a14="http://schemas.microsoft.com/office/drawing/2010/main" xmlns="" val="0"/>
+              </a:ext>
+            </a:extLst>
+          </a:blip>
+          <a:srcRect/>
+          <a:stretch>
+            <a:fillRect/>
+          </a:stretch>
+        </p:blipFill>
+        <p:spPr bwMode="auto">
+          <a:xfrm>
+            <a:off x="8229613" y="2251852"/>
+            <a:ext cx="631219" cy="571505"/>
+          </a:xfrm>
+          <a:prstGeom prst="rect">
+            <a:avLst/>
+          </a:prstGeom>
+          <a:noFill/>
+          <a:extLst>
+            <a:ext uri="{909E8E84-426E-40DD-AFC4-6F175D3DCCD1}">
+              <a14:hiddenFill xmlns:a14="http://schemas.microsoft.com/office/drawing/2010/main" xmlns="">
+                <a:solidFill>
+                  <a:srgbClr val="FFFFFF"/>
+                </a:solidFill>
+              </a14:hiddenFill>
+            </a:ext>
+          </a:extLst>
+        </p:spPr>
+      </p:pic>
+      <p:sp>
+        <p:nvSpPr>
+          <p:cNvPr id="86" name="직사각형 85"/>
+          <p:cNvSpPr/>
+          <p:nvPr/>
+        </p:nvSpPr>
+        <p:spPr>
+          <a:xfrm>
+            <a:off x="6800853" y="1466034"/>
+            <a:ext cx="785818" cy="261610"/>
+          </a:xfrm>
+          <a:prstGeom prst="rect">
+            <a:avLst/>
+          </a:prstGeom>
+          <a:solidFill>
+            <a:schemeClr val="bg1">
+              <a:lumMod val="95000"/>
+            </a:schemeClr>
+          </a:solidFill>
+        </p:spPr>
+        <p:txBody>
+          <a:bodyPr wrap="square">
+            <a:spAutoFit/>
+          </a:bodyPr>
+          <a:lstStyle/>
+          <a:p>
+            <a:r>
+              <a:rPr lang="en-US" altLang="ko-KR" sz="1100" smtClean="0">
+                <a:latin typeface="HY궁서B" pitchFamily="18" charset="-127"/>
+                <a:ea typeface="HY궁서B" pitchFamily="18" charset="-127"/>
+              </a:rPr>
+              <a:t>svn co</a:t>
+            </a:r>
+          </a:p>
+        </p:txBody>
+      </p:sp>
+      <p:sp>
+        <p:nvSpPr>
+          <p:cNvPr id="33" name="직사각형 32"/>
+          <p:cNvSpPr/>
+          <p:nvPr/>
+        </p:nvSpPr>
+        <p:spPr>
+          <a:xfrm>
+            <a:off x="2443135" y="3823488"/>
+            <a:ext cx="3857652" cy="499971"/>
+          </a:xfrm>
+          <a:prstGeom prst="rect">
+            <a:avLst/>
+          </a:prstGeom>
+          <a:solidFill>
+            <a:schemeClr val="bg1">
+              <a:lumMod val="85000"/>
+            </a:schemeClr>
+          </a:solidFill>
+          <a:effectLst>
+            <a:outerShdw blurRad="50800" dist="38100" dir="2700000" algn="tl" rotWithShape="0">
+              <a:prstClr val="black">
+                <a:alpha val="40000"/>
+              </a:prstClr>
+            </a:outerShdw>
+          </a:effectLst>
+        </p:spPr>
+        <p:txBody>
+          <a:bodyPr wrap="square" lIns="68415" tIns="34208" rIns="68415" bIns="34208">
+            <a:spAutoFit/>
+          </a:bodyPr>
+          <a:lstStyle/>
+          <a:p>
+            <a:pPr algn="ctr"/>
+            <a:r>
+              <a:rPr lang="en-US" sz="1500" smtClean="0">
+                <a:latin typeface="LG Smart UI Regular" pitchFamily="50" charset="-127"/>
+                <a:ea typeface="LG Smart UI Regular" pitchFamily="50" charset="-127"/>
+              </a:rPr>
+              <a:t>[</a:t>
+            </a:r>
+            <a:r>
+              <a:rPr lang="ko-KR" altLang="en-US" sz="1500" smtClean="0">
+                <a:latin typeface="LG Smart UI Regular" pitchFamily="50" charset="-127"/>
+                <a:ea typeface="LG Smart UI Regular" pitchFamily="50" charset="-127"/>
+              </a:rPr>
+              <a:t>로컬</a:t>
+            </a:r>
+            <a:r>
+              <a:rPr lang="en-US" altLang="ko-KR" sz="1500" smtClean="0">
+                <a:latin typeface="LG Smart UI Regular" pitchFamily="50" charset="-127"/>
+                <a:ea typeface="LG Smart UI Regular" pitchFamily="50" charset="-127"/>
+              </a:rPr>
+              <a:t> </a:t>
+            </a:r>
+            <a:r>
+              <a:rPr lang="ko-KR" altLang="en-US" sz="1500" smtClean="0">
+                <a:latin typeface="LG Smart UI Regular" pitchFamily="50" charset="-127"/>
+                <a:ea typeface="LG Smart UI Regular" pitchFamily="50" charset="-127"/>
+              </a:rPr>
+              <a:t>디렉토리</a:t>
+            </a:r>
+            <a:r>
+              <a:rPr lang="en-US" altLang="ko-KR" sz="1500" smtClean="0">
+                <a:latin typeface="LG Smart UI Regular" pitchFamily="50" charset="-127"/>
+                <a:ea typeface="LG Smart UI Regular" pitchFamily="50" charset="-127"/>
+              </a:rPr>
+              <a:t>]</a:t>
+            </a:r>
+            <a:endParaRPr lang="en-US" sz="1500" smtClean="0">
+              <a:latin typeface="LG Smart UI Regular" pitchFamily="50" charset="-127"/>
+              <a:ea typeface="LG Smart UI Regular" pitchFamily="50" charset="-127"/>
+            </a:endParaRPr>
+          </a:p>
+          <a:p>
+            <a:pPr algn="ctr"/>
+            <a:r>
+              <a:rPr lang="en-US" sz="1300" smtClean="0">
+                <a:latin typeface="LG Smart UI Regular" pitchFamily="50" charset="-127"/>
+                <a:ea typeface="LG Smart UI Regular" pitchFamily="50" charset="-127"/>
+              </a:rPr>
+              <a:t>${workspace}/build_prod/tamsServiceAccess.jar</a:t>
+            </a:r>
+            <a:endParaRPr lang="en-US" sz="1300">
+              <a:latin typeface="LG Smart UI Regular" pitchFamily="50" charset="-127"/>
+              <a:ea typeface="LG Smart UI Regular" pitchFamily="50" charset="-127"/>
+            </a:endParaRPr>
+          </a:p>
+        </p:txBody>
+      </p:sp>
+      <p:sp>
+        <p:nvSpPr>
+          <p:cNvPr id="46" name="직사각형 45"/>
+          <p:cNvSpPr/>
+          <p:nvPr/>
+        </p:nvSpPr>
+        <p:spPr>
+          <a:xfrm>
+            <a:off x="3228953" y="5150716"/>
+            <a:ext cx="1571636" cy="458627"/>
+          </a:xfrm>
+          <a:prstGeom prst="rect">
+            <a:avLst/>
+          </a:prstGeom>
+          <a:solidFill>
+            <a:srgbClr val="FF99FF"/>
+          </a:solidFill>
+          <a:ln>
+            <a:solidFill>
+              <a:schemeClr val="tx1"/>
+            </a:solidFill>
+          </a:ln>
+        </p:spPr>
+        <p:style>
+          <a:lnRef idx="2">
+            <a:schemeClr val="accent1">
+              <a:shade val="50000"/>
+            </a:schemeClr>
+          </a:lnRef>
+          <a:fillRef idx="1">
+            <a:schemeClr val="accent1"/>
+          </a:fillRef>
+          <a:effectRef idx="0">
+            <a:schemeClr val="accent1"/>
+          </a:effectRef>
+          <a:fontRef idx="minor">
+            <a:schemeClr val="lt1"/>
+          </a:fontRef>
+        </p:style>
+        <p:txBody>
+          <a:bodyPr rtlCol="0" anchor="ctr"/>
+          <a:lstStyle/>
+          <a:p>
+            <a:pPr algn="ctr"/>
+            <a:r>
+              <a:rPr lang="en-US" altLang="ko-KR" sz="1300" smtClean="0">
+                <a:solidFill>
+                  <a:schemeClr val="tx1"/>
+                </a:solidFill>
+                <a:latin typeface="LG Smart UI Regular" pitchFamily="50" charset="-127"/>
+                <a:ea typeface="LG Smart UI Regular" pitchFamily="50" charset="-127"/>
+              </a:rPr>
+              <a:t>WAS#1, #2</a:t>
+            </a:r>
+          </a:p>
+        </p:txBody>
+      </p:sp>
+      <p:cxnSp>
+        <p:nvCxnSpPr>
+          <p:cNvPr id="48" name="꺾인 연결선 47"/>
+          <p:cNvCxnSpPr>
+            <a:stCxn id="41" idx="2"/>
+          </p:cNvCxnSpPr>
+          <p:nvPr/>
+        </p:nvCxnSpPr>
+        <p:spPr>
+          <a:xfrm rot="16200000" flipH="1">
+            <a:off x="5032762" y="3769909"/>
+            <a:ext cx="500066" cy="35719"/>
+          </a:xfrm>
+          <a:prstGeom prst="bentConnector3">
+            <a:avLst>
+              <a:gd name="adj1" fmla="val 50000"/>
+            </a:avLst>
+          </a:prstGeom>
+          <a:ln>
+            <a:solidFill>
+              <a:srgbClr val="3C10F6"/>
+            </a:solidFill>
+            <a:headEnd type="oval"/>
+            <a:tailEnd type="arrow"/>
+          </a:ln>
+        </p:spPr>
+        <p:style>
+          <a:lnRef idx="1">
+            <a:schemeClr val="accent1"/>
+          </a:lnRef>
+          <a:fillRef idx="0">
+            <a:schemeClr val="accent1"/>
+          </a:fillRef>
+          <a:effectRef idx="0">
+            <a:schemeClr val="accent1"/>
+          </a:effectRef>
+          <a:fontRef idx="minor">
+            <a:schemeClr val="tx1"/>
+          </a:fontRef>
+        </p:style>
+      </p:cxnSp>
+    </p:spTree>
+  </p:cSld>
+  <p:clrMapOvr>
+    <a:masterClrMapping/>
+  </p:clrMapOvr>
+</p:sld>
+</file>
+
+<file path=ppt/slides/slide5.xml><?xml version="1.0" encoding="utf-8"?>
+<p:sld xmlns:a="http://schemas.openxmlformats.org/drawingml/2006/main" xmlns:r="http://schemas.openxmlformats.org/officeDocument/2006/relationships" xmlns:p="http://schemas.openxmlformats.org/presentationml/2006/main">
+  <p:cSld>
+    <p:spTree>
+      <p:nvGrpSpPr>
+        <p:cNvPr id="1" name=""/>
+        <p:cNvGrpSpPr/>
+        <p:nvPr/>
+      </p:nvGrpSpPr>
+      <p:grpSpPr>
+        <a:xfrm>
+          <a:off x="0" y="0"/>
+          <a:ext cx="0" cy="0"/>
+          <a:chOff x="0" y="0"/>
+          <a:chExt cx="0" cy="0"/>
+        </a:xfrm>
+      </p:grpSpPr>
+      <p:sp>
+        <p:nvSpPr>
+          <p:cNvPr id="20" name="직사각형 19"/>
+          <p:cNvSpPr/>
+          <p:nvPr/>
+        </p:nvSpPr>
+        <p:spPr>
+          <a:xfrm>
+            <a:off x="1014375" y="965968"/>
+            <a:ext cx="7072362" cy="4286280"/>
+          </a:xfrm>
+          <a:prstGeom prst="rect">
+            <a:avLst/>
+          </a:prstGeom>
+          <a:solidFill>
+            <a:schemeClr val="bg1">
+              <a:lumMod val="95000"/>
+            </a:schemeClr>
+          </a:solidFill>
+          <a:ln>
+            <a:noFill/>
+          </a:ln>
+        </p:spPr>
+        <p:style>
+          <a:lnRef idx="2">
+            <a:schemeClr val="accent1">
+              <a:shade val="50000"/>
+            </a:schemeClr>
+          </a:lnRef>
+          <a:fillRef idx="1">
+            <a:schemeClr val="accent1"/>
+          </a:fillRef>
+          <a:effectRef idx="0">
+            <a:schemeClr val="accent1"/>
+          </a:effectRef>
+          <a:fontRef idx="minor">
+            <a:schemeClr val="lt1"/>
+          </a:fontRef>
+        </p:style>
+        <p:txBody>
+          <a:bodyPr lIns="91419" tIns="45710" rIns="91419" bIns="45710" rtlCol="0" anchor="t" anchorCtr="0"/>
+          <a:lstStyle/>
+          <a:p>
+            <a:pPr algn="ctr"/>
+            <a:r>
+              <a:rPr lang="ko-KR" altLang="en-US" sz="1700" b="1" smtClean="0">
+                <a:solidFill>
+                  <a:schemeClr val="tx1"/>
+                </a:solidFill>
+                <a:latin typeface="LG Smart UI Regular" pitchFamily="50" charset="-127"/>
+                <a:ea typeface="LG Smart UI Regular" pitchFamily="50" charset="-127"/>
+                <a:cs typeface="맑은 고딕 Semilight" pitchFamily="50" charset="-127"/>
+              </a:rPr>
+              <a:t>개발서버</a:t>
+            </a:r>
+            <a:endParaRPr lang="ko-KR" altLang="en-US" sz="1700" b="1">
+              <a:solidFill>
+                <a:schemeClr val="tx1"/>
+              </a:solidFill>
+              <a:latin typeface="LG Smart UI Regular" pitchFamily="50" charset="-127"/>
+              <a:ea typeface="LG Smart UI Regular" pitchFamily="50" charset="-127"/>
+              <a:cs typeface="맑은 고딕 Semilight" pitchFamily="50" charset="-127"/>
+            </a:endParaRPr>
+          </a:p>
+        </p:txBody>
+      </p:sp>
+      <p:cxnSp>
+        <p:nvCxnSpPr>
+          <p:cNvPr id="21" name="직선 화살표 연결선 20"/>
+          <p:cNvCxnSpPr/>
+          <p:nvPr/>
+        </p:nvCxnSpPr>
+        <p:spPr>
+          <a:xfrm rot="5400000">
+            <a:off x="1622392" y="2715405"/>
+            <a:ext cx="2214578" cy="1588"/>
+          </a:xfrm>
+          <a:prstGeom prst="straightConnector1">
+            <a:avLst/>
+          </a:prstGeom>
+          <a:ln>
+            <a:tailEnd type="arrow"/>
+          </a:ln>
+        </p:spPr>
+        <p:style>
+          <a:lnRef idx="1">
+            <a:schemeClr val="accent1"/>
+          </a:lnRef>
+          <a:fillRef idx="0">
+            <a:schemeClr val="accent1"/>
+          </a:fillRef>
+          <a:effectRef idx="0">
+            <a:schemeClr val="accent1"/>
+          </a:effectRef>
+          <a:fontRef idx="minor">
+            <a:schemeClr val="tx1"/>
+          </a:fontRef>
+        </p:style>
+      </p:cxnSp>
+      <p:sp>
+        <p:nvSpPr>
+          <p:cNvPr id="2" name="TextBox 1"/>
+          <p:cNvSpPr txBox="1"/>
+          <p:nvPr/>
+        </p:nvSpPr>
+        <p:spPr>
+          <a:xfrm>
+            <a:off x="196863" y="195002"/>
+            <a:ext cx="3058336" cy="510299"/>
+          </a:xfrm>
+          <a:prstGeom prst="rect">
+            <a:avLst/>
+          </a:prstGeom>
+          <a:noFill/>
+        </p:spPr>
+        <p:txBody>
+          <a:bodyPr wrap="none" lIns="124364" tIns="62182" rIns="124364" bIns="62182" rtlCol="0">
+            <a:spAutoFit/>
+          </a:bodyPr>
+          <a:lstStyle/>
+          <a:p>
+            <a:r>
+              <a:rPr lang="en-US" altLang="ko-KR" smtClean="0">
+                <a:latin typeface="LG Smart UI Regular" pitchFamily="50" charset="-127"/>
+                <a:ea typeface="LG Smart UI Regular" pitchFamily="50" charset="-127"/>
+              </a:rPr>
+              <a:t>NTAMS </a:t>
+            </a:r>
+            <a:r>
+              <a:rPr lang="ko-KR" altLang="en-US" smtClean="0">
+                <a:latin typeface="LG Smart UI Regular" pitchFamily="50" charset="-127"/>
+                <a:ea typeface="LG Smart UI Regular" pitchFamily="50" charset="-127"/>
+              </a:rPr>
+              <a:t>개발빌드</a:t>
+            </a:r>
+            <a:r>
+              <a:rPr lang="en-US" altLang="ko-KR" smtClean="0">
+                <a:latin typeface="LG Smart UI Regular" pitchFamily="50" charset="-127"/>
+                <a:ea typeface="LG Smart UI Regular" pitchFamily="50" charset="-127"/>
+              </a:rPr>
+              <a:t>/</a:t>
+            </a:r>
+            <a:r>
+              <a:rPr lang="ko-KR" altLang="en-US" smtClean="0">
+                <a:latin typeface="LG Smart UI Regular" pitchFamily="50" charset="-127"/>
+                <a:ea typeface="LG Smart UI Regular" pitchFamily="50" charset="-127"/>
+              </a:rPr>
+              <a:t>배포</a:t>
+            </a:r>
+            <a:endParaRPr lang="ko-KR" altLang="en-US">
+              <a:latin typeface="LG Smart UI Regular" pitchFamily="50" charset="-127"/>
+              <a:ea typeface="LG Smart UI Regular" pitchFamily="50" charset="-127"/>
+            </a:endParaRPr>
+          </a:p>
+        </p:txBody>
+      </p:sp>
+      <p:sp>
+        <p:nvSpPr>
+          <p:cNvPr id="3" name="직사각형 2"/>
+          <p:cNvSpPr/>
+          <p:nvPr/>
+        </p:nvSpPr>
+        <p:spPr>
+          <a:xfrm>
+            <a:off x="2586011" y="1343157"/>
+            <a:ext cx="3214710" cy="299917"/>
+          </a:xfrm>
+          <a:prstGeom prst="rect">
+            <a:avLst/>
+          </a:prstGeom>
+          <a:noFill/>
+          <a:ln>
+            <a:solidFill>
+              <a:schemeClr val="tx1">
+                <a:lumMod val="50000"/>
+                <a:lumOff val="50000"/>
+              </a:schemeClr>
+            </a:solidFill>
+          </a:ln>
+        </p:spPr>
+        <p:txBody>
+          <a:bodyPr wrap="square" lIns="68415" tIns="34208" rIns="68415" bIns="34208">
+            <a:spAutoFit/>
+          </a:bodyPr>
+          <a:lstStyle/>
+          <a:p>
+            <a:r>
+              <a:rPr lang="en-US" sz="1500" b="1" smtClean="0">
+                <a:latin typeface="LG Smart UI Regular" pitchFamily="50" charset="-127"/>
+                <a:ea typeface="LG Smart UI Regular" pitchFamily="50" charset="-127"/>
+              </a:rPr>
+              <a:t>Pipeline</a:t>
+            </a:r>
+            <a:r>
+              <a:rPr lang="en-US" sz="1500" smtClean="0">
+                <a:latin typeface="LG Smart UI Regular" pitchFamily="50" charset="-127"/>
+                <a:ea typeface="LG Smart UI Regular" pitchFamily="50" charset="-127"/>
+              </a:rPr>
+              <a:t> : BD_TAMS_DEV</a:t>
+            </a:r>
+            <a:endParaRPr lang="en-US" sz="1500">
+              <a:latin typeface="LG Smart UI Regular" pitchFamily="50" charset="-127"/>
+              <a:ea typeface="LG Smart UI Regular" pitchFamily="50" charset="-127"/>
+            </a:endParaRPr>
+          </a:p>
+        </p:txBody>
+      </p:sp>
+      <p:pic>
+        <p:nvPicPr>
+          <p:cNvPr id="4" name="Picture 6" descr="jenkins, 로고 아이콘"/>
+          <p:cNvPicPr>
+            <a:picLocks noChangeAspect="1" noChangeArrowheads="1"/>
+          </p:cNvPicPr>
+          <p:nvPr/>
+        </p:nvPicPr>
+        <p:blipFill>
+          <a:blip r:embed="rId2" cstate="print"/>
+          <a:srcRect/>
+          <a:stretch>
+            <a:fillRect/>
+          </a:stretch>
+        </p:blipFill>
+        <p:spPr bwMode="auto">
+          <a:xfrm>
+            <a:off x="1943069" y="823092"/>
+            <a:ext cx="823092" cy="823092"/>
+          </a:xfrm>
+          <a:prstGeom prst="rect">
+            <a:avLst/>
+          </a:prstGeom>
+          <a:noFill/>
+        </p:spPr>
+      </p:pic>
+      <p:sp>
+        <p:nvSpPr>
+          <p:cNvPr id="5" name="직사각형 4"/>
+          <p:cNvSpPr/>
+          <p:nvPr/>
+        </p:nvSpPr>
+        <p:spPr>
+          <a:xfrm>
+            <a:off x="2943201" y="1857388"/>
+            <a:ext cx="2428892" cy="299917"/>
+          </a:xfrm>
+          <a:prstGeom prst="rect">
+            <a:avLst/>
+          </a:prstGeom>
+          <a:noFill/>
+          <a:ln>
+            <a:solidFill>
+              <a:schemeClr val="tx1">
+                <a:lumMod val="50000"/>
+                <a:lumOff val="50000"/>
+              </a:schemeClr>
+            </a:solidFill>
+          </a:ln>
+        </p:spPr>
+        <p:txBody>
+          <a:bodyPr wrap="square" lIns="68415" tIns="34208" rIns="68415" bIns="34208">
+            <a:spAutoFit/>
+          </a:bodyPr>
+          <a:lstStyle/>
+          <a:p>
+            <a:r>
+              <a:rPr lang="en-US" altLang="ko-KR" sz="1500" smtClean="0">
+                <a:latin typeface="LG Smart UI Regular" pitchFamily="50" charset="-127"/>
+                <a:ea typeface="LG Smart UI Regular" pitchFamily="50" charset="-127"/>
+              </a:rPr>
+              <a:t>[workspace] svn </a:t>
+            </a:r>
+            <a:r>
+              <a:rPr lang="ko-KR" altLang="en-US" sz="1500" smtClean="0">
+                <a:latin typeface="LG Smart UI Regular" pitchFamily="50" charset="-127"/>
+                <a:ea typeface="LG Smart UI Regular" pitchFamily="50" charset="-127"/>
+              </a:rPr>
+              <a:t>체크아웃</a:t>
+            </a:r>
+            <a:endParaRPr lang="en-US" sz="1500">
+              <a:latin typeface="LG Smart UI Regular" pitchFamily="50" charset="-127"/>
+              <a:ea typeface="LG Smart UI Regular" pitchFamily="50" charset="-127"/>
+            </a:endParaRPr>
+          </a:p>
+        </p:txBody>
+      </p:sp>
+      <p:sp>
+        <p:nvSpPr>
+          <p:cNvPr id="6" name="직사각형 5"/>
+          <p:cNvSpPr/>
+          <p:nvPr/>
+        </p:nvSpPr>
+        <p:spPr>
+          <a:xfrm>
+            <a:off x="2943201" y="2445505"/>
+            <a:ext cx="2428892" cy="299917"/>
+          </a:xfrm>
+          <a:prstGeom prst="rect">
+            <a:avLst/>
+          </a:prstGeom>
+          <a:noFill/>
+          <a:ln>
+            <a:solidFill>
+              <a:schemeClr val="tx1">
+                <a:lumMod val="50000"/>
+                <a:lumOff val="50000"/>
+              </a:schemeClr>
+            </a:solidFill>
+          </a:ln>
+        </p:spPr>
+        <p:txBody>
+          <a:bodyPr wrap="square" lIns="68415" tIns="34208" rIns="68415" bIns="34208">
+            <a:spAutoFit/>
+          </a:bodyPr>
+          <a:lstStyle/>
+          <a:p>
+            <a:r>
+              <a:rPr lang="en-US" sz="1500" smtClean="0">
+                <a:latin typeface="LG Smart UI Regular" pitchFamily="50" charset="-127"/>
+                <a:ea typeface="LG Smart UI Regular" pitchFamily="50" charset="-127"/>
+              </a:rPr>
+              <a:t>Maven</a:t>
+            </a:r>
+            <a:r>
+              <a:rPr lang="ko-KR" altLang="en-US" sz="1500" smtClean="0">
+                <a:latin typeface="LG Smart UI Regular" pitchFamily="50" charset="-127"/>
+                <a:ea typeface="LG Smart UI Regular" pitchFamily="50" charset="-127"/>
+              </a:rPr>
+              <a:t> </a:t>
+            </a:r>
+            <a:r>
+              <a:rPr lang="ko-KR" altLang="en-US" sz="1500" b="1" smtClean="0">
+                <a:solidFill>
+                  <a:srgbClr val="FF00FF"/>
+                </a:solidFill>
+                <a:latin typeface="LG Smart UI Regular" pitchFamily="50" charset="-127"/>
+                <a:ea typeface="LG Smart UI Regular" pitchFamily="50" charset="-127"/>
+              </a:rPr>
+              <a:t>빌드</a:t>
+            </a:r>
+            <a:r>
+              <a:rPr lang="ko-KR" altLang="en-US" sz="1500" smtClean="0">
+                <a:latin typeface="LG Smart UI Regular" pitchFamily="50" charset="-127"/>
+                <a:ea typeface="LG Smart UI Regular" pitchFamily="50" charset="-127"/>
+              </a:rPr>
+              <a:t> </a:t>
+            </a:r>
+            <a:r>
+              <a:rPr lang="en-US" altLang="ko-KR" sz="1500" smtClean="0">
+                <a:latin typeface="LG Smart UI Regular" pitchFamily="50" charset="-127"/>
+                <a:ea typeface="LG Smart UI Regular" pitchFamily="50" charset="-127"/>
+              </a:rPr>
+              <a:t>(pom.xml)</a:t>
+            </a:r>
+            <a:endParaRPr lang="en-US" sz="1500">
+              <a:latin typeface="LG Smart UI Regular" pitchFamily="50" charset="-127"/>
+              <a:ea typeface="LG Smart UI Regular" pitchFamily="50" charset="-127"/>
+            </a:endParaRPr>
+          </a:p>
+        </p:txBody>
+      </p:sp>
+      <p:sp>
+        <p:nvSpPr>
+          <p:cNvPr id="7" name="직사각형 6"/>
+          <p:cNvSpPr/>
+          <p:nvPr/>
+        </p:nvSpPr>
+        <p:spPr>
+          <a:xfrm>
+            <a:off x="3014639" y="2731257"/>
+            <a:ext cx="4429156" cy="253750"/>
+          </a:xfrm>
+          <a:prstGeom prst="rect">
+            <a:avLst/>
+          </a:prstGeom>
+          <a:noFill/>
+        </p:spPr>
+        <p:txBody>
+          <a:bodyPr wrap="square" lIns="68415" tIns="34208" rIns="68415" bIns="34208">
+            <a:spAutoFit/>
+          </a:bodyPr>
+          <a:lstStyle/>
+          <a:p>
+            <a:r>
+              <a:rPr lang="en-US" sz="1200" smtClean="0">
+                <a:latin typeface="HY궁서B" pitchFamily="18" charset="-127"/>
+                <a:ea typeface="HY궁서B" pitchFamily="18" charset="-127"/>
+              </a:rPr>
+              <a:t> └ </a:t>
+            </a:r>
+            <a:r>
+              <a:rPr lang="en-US" sz="1200" smtClean="0"/>
+              <a:t>mvn -f GAAI/pom_prod.xml clean package</a:t>
+            </a:r>
+            <a:endParaRPr lang="en-US" sz="1200"/>
+          </a:p>
+        </p:txBody>
+      </p:sp>
+      <p:sp>
+        <p:nvSpPr>
+          <p:cNvPr id="11" name="모서리가 둥근 직사각형 10"/>
+          <p:cNvSpPr/>
+          <p:nvPr/>
+        </p:nvSpPr>
+        <p:spPr>
+          <a:xfrm>
+            <a:off x="1943069" y="1823224"/>
+            <a:ext cx="1000132" cy="357190"/>
+          </a:xfrm>
+          <a:prstGeom prst="roundRect">
+            <a:avLst/>
+          </a:prstGeom>
+        </p:spPr>
+        <p:style>
+          <a:lnRef idx="2">
+            <a:schemeClr val="accent1">
+              <a:shade val="50000"/>
+            </a:schemeClr>
+          </a:lnRef>
+          <a:fillRef idx="1">
+            <a:schemeClr val="accent1"/>
+          </a:fillRef>
+          <a:effectRef idx="0">
+            <a:schemeClr val="accent1"/>
+          </a:effectRef>
+          <a:fontRef idx="minor">
+            <a:schemeClr val="lt1"/>
+          </a:fontRef>
+        </p:style>
+        <p:txBody>
+          <a:bodyPr rtlCol="0" anchor="ctr"/>
+          <a:lstStyle/>
+          <a:p>
+            <a:pPr algn="ctr"/>
+            <a:r>
+              <a:rPr lang="en-US" altLang="ko-KR" sz="1700" smtClean="0"/>
+              <a:t>stage1</a:t>
+            </a:r>
+            <a:endParaRPr lang="ko-KR" altLang="en-US" sz="1700"/>
+          </a:p>
+        </p:txBody>
+      </p:sp>
+      <p:sp>
+        <p:nvSpPr>
+          <p:cNvPr id="12" name="모서리가 둥근 직사각형 11"/>
+          <p:cNvSpPr/>
+          <p:nvPr/>
+        </p:nvSpPr>
+        <p:spPr>
+          <a:xfrm>
+            <a:off x="1943069" y="2411341"/>
+            <a:ext cx="1000132" cy="357190"/>
+          </a:xfrm>
+          <a:prstGeom prst="roundRect">
+            <a:avLst/>
+          </a:prstGeom>
+        </p:spPr>
+        <p:style>
+          <a:lnRef idx="2">
+            <a:schemeClr val="accent1">
+              <a:shade val="50000"/>
+            </a:schemeClr>
+          </a:lnRef>
+          <a:fillRef idx="1">
+            <a:schemeClr val="accent1"/>
+          </a:fillRef>
+          <a:effectRef idx="0">
+            <a:schemeClr val="accent1"/>
+          </a:effectRef>
+          <a:fontRef idx="minor">
+            <a:schemeClr val="lt1"/>
+          </a:fontRef>
+        </p:style>
+        <p:txBody>
+          <a:bodyPr rtlCol="0" anchor="ctr"/>
+          <a:lstStyle/>
+          <a:p>
+            <a:pPr algn="ctr"/>
+            <a:r>
+              <a:rPr lang="en-US" altLang="ko-KR" sz="1700" smtClean="0"/>
+              <a:t>stage2</a:t>
+            </a:r>
+            <a:endParaRPr lang="ko-KR" altLang="en-US" sz="1700"/>
+          </a:p>
+        </p:txBody>
+      </p:sp>
       <p:pic>
         <p:nvPicPr>
           <p:cNvPr id="23" name="Picture 109" descr="Picture30"/>
@@ -10931,7 +13445,7 @@
           <a:blip r:embed="rId3">
             <a:extLst>
               <a:ext uri="{28A0092B-C50C-407E-A947-70E740481C1C}">
-                <a14:useLocalDpi xmlns="" xmlns:a14="http://schemas.microsoft.com/office/drawing/2010/main" val="0"/>
+                <a14:useLocalDpi xmlns:a14="http://schemas.microsoft.com/office/drawing/2010/main" xmlns="" val="0"/>
               </a:ext>
             </a:extLst>
           </a:blip>
@@ -10951,7 +13465,7 @@
           <a:noFill/>
           <a:extLst>
             <a:ext uri="{909E8E84-426E-40DD-AFC4-6F175D3DCCD1}">
-              <a14:hiddenFill xmlns="" xmlns:a14="http://schemas.microsoft.com/office/drawing/2010/main">
+              <a14:hiddenFill xmlns:a14="http://schemas.microsoft.com/office/drawing/2010/main" xmlns="">
                 <a:solidFill>
                   <a:srgbClr val="FFFFFF"/>
                 </a:solidFill>
@@ -11031,7 +13545,7 @@
         </p:nvSpPr>
         <p:spPr>
           <a:xfrm>
-            <a:off x="728623" y="3752050"/>
+            <a:off x="728623" y="3911539"/>
             <a:ext cx="1571636" cy="530749"/>
           </a:xfrm>
           <a:prstGeom prst="rect">
@@ -11110,8 +13624,8 @@
         </p:nvCxnSpPr>
         <p:spPr>
           <a:xfrm rot="16200000" flipH="1">
-            <a:off x="-483181" y="2805621"/>
-            <a:ext cx="2087386" cy="336221"/>
+            <a:off x="-562925" y="2885365"/>
+            <a:ext cx="2246875" cy="336221"/>
           </a:xfrm>
           <a:prstGeom prst="bentConnector2">
             <a:avLst/>
@@ -11232,7 +13746,7 @@
         </p:nvCxnSpPr>
         <p:spPr>
           <a:xfrm rot="10800000" flipV="1">
-            <a:off x="1514441" y="2430446"/>
+            <a:off x="1514441" y="2589935"/>
             <a:ext cx="428628" cy="1321603"/>
           </a:xfrm>
           <a:prstGeom prst="bentConnector2">
@@ -11270,7 +13784,7 @@
         </p:nvSpPr>
         <p:spPr>
           <a:xfrm>
-            <a:off x="1014375" y="2680480"/>
+            <a:off x="1014375" y="3109108"/>
             <a:ext cx="1643074" cy="430887"/>
           </a:xfrm>
           <a:prstGeom prst="rect">
@@ -11358,7 +13872,7 @@
         </p:nvCxnSpPr>
         <p:spPr>
           <a:xfrm>
-            <a:off x="5372093" y="2435975"/>
+            <a:off x="5372093" y="2595464"/>
             <a:ext cx="2464611" cy="1387608"/>
           </a:xfrm>
           <a:prstGeom prst="bentConnector2">
@@ -11394,7 +13908,7 @@
         </p:nvSpPr>
         <p:spPr>
           <a:xfrm>
-            <a:off x="6015035" y="2108976"/>
+            <a:off x="6086473" y="2323290"/>
             <a:ext cx="1714512" cy="430887"/>
           </a:xfrm>
           <a:prstGeom prst="rect">
@@ -11441,7 +13955,7 @@
         </p:nvSpPr>
         <p:spPr>
           <a:xfrm>
-            <a:off x="3371829" y="2843355"/>
+            <a:off x="3371829" y="3002844"/>
             <a:ext cx="4357718" cy="299917"/>
           </a:xfrm>
           <a:prstGeom prst="rect">
@@ -11515,7 +14029,7 @@
         </p:nvSpPr>
         <p:spPr>
           <a:xfrm>
-            <a:off x="6372225" y="3823583"/>
+            <a:off x="6372225" y="3983072"/>
             <a:ext cx="2928958" cy="499971"/>
           </a:xfrm>
           <a:prstGeom prst="rect">
@@ -12349,7 +14863,7 @@
             </a:duotone>
             <a:extLst>
               <a:ext uri="{28A0092B-C50C-407E-A947-70E740481C1C}">
-                <a14:useLocalDpi xmlns="" xmlns:a14="http://schemas.microsoft.com/office/drawing/2010/main" val="0"/>
+                <a14:useLocalDpi xmlns:a14="http://schemas.microsoft.com/office/drawing/2010/main" xmlns="" val="0"/>
               </a:ext>
             </a:extLst>
           </a:blip>
@@ -12369,7 +14883,7 @@
           <a:noFill/>
           <a:extLst>
             <a:ext uri="{909E8E84-426E-40DD-AFC4-6F175D3DCCD1}">
-              <a14:hiddenFill xmlns="" xmlns:a14="http://schemas.microsoft.com/office/drawing/2010/main">
+              <a14:hiddenFill xmlns:a14="http://schemas.microsoft.com/office/drawing/2010/main" xmlns="">
                 <a:solidFill>
                   <a:srgbClr val="FFFFFF"/>
                 </a:solidFill>
@@ -12422,7 +14936,7 @@
         </p:nvGrpSpPr>
         <p:grpSpPr>
           <a:xfrm>
-            <a:off x="7586671" y="3323422"/>
+            <a:off x="7586671" y="3482911"/>
             <a:ext cx="1643074" cy="299917"/>
             <a:chOff x="7586671" y="3323422"/>
             <a:chExt cx="1643074" cy="299917"/>
@@ -12541,7 +15055,7 @@
         </p:nvSpPr>
         <p:spPr>
           <a:xfrm>
-            <a:off x="6372225" y="4823620"/>
+            <a:off x="6372225" y="4983109"/>
             <a:ext cx="3929090" cy="700026"/>
           </a:xfrm>
           <a:prstGeom prst="rect">
@@ -12643,7 +15157,7 @@
         </p:nvCxnSpPr>
         <p:spPr>
           <a:xfrm rot="5400000">
-            <a:off x="7623184" y="4572793"/>
+            <a:off x="7623184" y="4732282"/>
             <a:ext cx="500066" cy="1588"/>
           </a:xfrm>
           <a:prstGeom prst="straightConnector1">
@@ -12679,7 +15193,7 @@
         </p:nvGrpSpPr>
         <p:grpSpPr>
           <a:xfrm>
-            <a:off x="7586671" y="4394992"/>
+            <a:off x="7586671" y="4554481"/>
             <a:ext cx="1643074" cy="299917"/>
             <a:chOff x="7586671" y="3323422"/>
             <a:chExt cx="1643074" cy="299917"/>
@@ -12798,7 +15312,7 @@
 </p:sld>
 </file>
 
-<file path=ppt/slides/slide5.xml><?xml version="1.0" encoding="utf-8"?>
+<file path=ppt/slides/slide6.xml><?xml version="1.0" encoding="utf-8"?>
 <p:sld xmlns:a="http://schemas.openxmlformats.org/drawingml/2006/main" xmlns:r="http://schemas.openxmlformats.org/officeDocument/2006/relationships" xmlns:p="http://schemas.openxmlformats.org/presentationml/2006/main">
   <p:cSld>
     <p:spTree>
@@ -15087,7 +17601,7 @@
 </p:sld>
 </file>
 
-<file path=ppt/slides/slide6.xml><?xml version="1.0" encoding="utf-8"?>
+<file path=ppt/slides/slide7.xml><?xml version="1.0" encoding="utf-8"?>
 <p:sld xmlns:a="http://schemas.openxmlformats.org/drawingml/2006/main" xmlns:r="http://schemas.openxmlformats.org/officeDocument/2006/relationships" xmlns:p="http://schemas.openxmlformats.org/presentationml/2006/main">
   <p:cSld>
     <p:spTree>
@@ -17996,7 +20510,7 @@
 </p:sld>
 </file>
 
-<file path=ppt/slides/slide7.xml><?xml version="1.0" encoding="utf-8"?>
+<file path=ppt/slides/slide8.xml><?xml version="1.0" encoding="utf-8"?>
 <p:sld xmlns:a="http://schemas.openxmlformats.org/drawingml/2006/main" xmlns:r="http://schemas.openxmlformats.org/officeDocument/2006/relationships" xmlns:p="http://schemas.openxmlformats.org/presentationml/2006/main">
   <p:cSld>
     <p:spTree>
@@ -23065,7 +25579,7 @@
 </p:sld>
 </file>
 
-<file path=ppt/slides/slide8.xml><?xml version="1.0" encoding="utf-8"?>
+<file path=ppt/slides/slide9.xml><?xml version="1.0" encoding="utf-8"?>
 <p:sld xmlns:a="http://schemas.openxmlformats.org/drawingml/2006/main" xmlns:r="http://schemas.openxmlformats.org/officeDocument/2006/relationships" xmlns:p="http://schemas.openxmlformats.org/presentationml/2006/main">
   <p:cSld>
     <p:spTree>
@@ -23253,941 +25767,6 @@
               <a:ea typeface="맑은 고딕 Semilight" pitchFamily="50" charset="-127"/>
               <a:cs typeface="맑은 고딕 Semilight" pitchFamily="50" charset="-127"/>
             </a:endParaRPr>
-          </a:p>
-        </p:txBody>
-      </p:sp>
-    </p:spTree>
-  </p:cSld>
-  <p:clrMapOvr>
-    <a:masterClrMapping/>
-  </p:clrMapOvr>
-</p:sld>
-</file>
-
-<file path=ppt/slides/slide9.xml><?xml version="1.0" encoding="utf-8"?>
-<p:sld xmlns:a="http://schemas.openxmlformats.org/drawingml/2006/main" xmlns:r="http://schemas.openxmlformats.org/officeDocument/2006/relationships" xmlns:p="http://schemas.openxmlformats.org/presentationml/2006/main">
-  <p:cSld>
-    <p:spTree>
-      <p:nvGrpSpPr>
-        <p:cNvPr id="1" name=""/>
-        <p:cNvGrpSpPr/>
-        <p:nvPr/>
-      </p:nvGrpSpPr>
-      <p:grpSpPr>
-        <a:xfrm>
-          <a:off x="0" y="0"/>
-          <a:ext cx="0" cy="0"/>
-          <a:chOff x="0" y="0"/>
-          <a:chExt cx="0" cy="0"/>
-        </a:xfrm>
-      </p:grpSpPr>
-      <p:pic>
-        <p:nvPicPr>
-          <p:cNvPr id="8" name="Picture 3"/>
-          <p:cNvPicPr>
-            <a:picLocks noChangeAspect="1" noChangeArrowheads="1"/>
-          </p:cNvPicPr>
-          <p:nvPr/>
-        </p:nvPicPr>
-        <p:blipFill>
-          <a:blip r:embed="rId2"/>
-          <a:srcRect/>
-          <a:stretch>
-            <a:fillRect/>
-          </a:stretch>
-        </p:blipFill>
-        <p:spPr bwMode="auto">
-          <a:xfrm>
-            <a:off x="162157" y="904078"/>
-            <a:ext cx="5781074" cy="7827998"/>
-          </a:xfrm>
-          <a:prstGeom prst="rect">
-            <a:avLst/>
-          </a:prstGeom>
-          <a:noFill/>
-          <a:ln w="9525">
-            <a:noFill/>
-            <a:miter lim="800000"/>
-            <a:headEnd/>
-            <a:tailEnd/>
-          </a:ln>
-          <a:effectLst/>
-        </p:spPr>
-      </p:pic>
-      <p:pic>
-        <p:nvPicPr>
-          <p:cNvPr id="9" name="Picture 4"/>
-          <p:cNvPicPr>
-            <a:picLocks noChangeAspect="1" noChangeArrowheads="1"/>
-          </p:cNvPicPr>
-          <p:nvPr/>
-        </p:nvPicPr>
-        <p:blipFill>
-          <a:blip r:embed="rId3"/>
-          <a:srcRect/>
-          <a:stretch>
-            <a:fillRect/>
-          </a:stretch>
-        </p:blipFill>
-        <p:spPr bwMode="auto">
-          <a:xfrm>
-            <a:off x="6695846" y="904078"/>
-            <a:ext cx="5743574" cy="7759332"/>
-          </a:xfrm>
-          <a:prstGeom prst="rect">
-            <a:avLst/>
-          </a:prstGeom>
-          <a:noFill/>
-          <a:ln w="9525">
-            <a:noFill/>
-            <a:miter lim="800000"/>
-            <a:headEnd/>
-            <a:tailEnd/>
-          </a:ln>
-          <a:effectLst/>
-        </p:spPr>
-      </p:pic>
-      <p:sp>
-        <p:nvSpPr>
-          <p:cNvPr id="10" name="직사각형 9"/>
-          <p:cNvSpPr/>
-          <p:nvPr/>
-        </p:nvSpPr>
-        <p:spPr>
-          <a:xfrm>
-            <a:off x="1135353" y="1384745"/>
-            <a:ext cx="3518484" cy="755333"/>
-          </a:xfrm>
-          <a:prstGeom prst="rect">
-            <a:avLst/>
-          </a:prstGeom>
-          <a:noFill/>
-          <a:ln>
-            <a:solidFill>
-              <a:srgbClr val="FF0000"/>
-            </a:solidFill>
-          </a:ln>
-        </p:spPr>
-        <p:style>
-          <a:lnRef idx="2">
-            <a:schemeClr val="accent1">
-              <a:shade val="50000"/>
-            </a:schemeClr>
-          </a:lnRef>
-          <a:fillRef idx="1">
-            <a:schemeClr val="accent1"/>
-          </a:fillRef>
-          <a:effectRef idx="0">
-            <a:schemeClr val="accent1"/>
-          </a:effectRef>
-          <a:fontRef idx="minor">
-            <a:schemeClr val="lt1"/>
-          </a:fontRef>
-        </p:style>
-        <p:txBody>
-          <a:bodyPr rtlCol="0" anchor="ctr"/>
-          <a:lstStyle/>
-          <a:p>
-            <a:pPr algn="ctr"/>
-            <a:endParaRPr lang="ko-KR" altLang="en-US"/>
-          </a:p>
-        </p:txBody>
-      </p:sp>
-      <p:sp>
-        <p:nvSpPr>
-          <p:cNvPr id="11" name="직사각형 10"/>
-          <p:cNvSpPr/>
-          <p:nvPr/>
-        </p:nvSpPr>
-        <p:spPr>
-          <a:xfrm>
-            <a:off x="7199123" y="3444743"/>
-            <a:ext cx="3518484" cy="1167333"/>
-          </a:xfrm>
-          <a:prstGeom prst="rect">
-            <a:avLst/>
-          </a:prstGeom>
-          <a:noFill/>
-          <a:ln>
-            <a:solidFill>
-              <a:srgbClr val="FF0000"/>
-            </a:solidFill>
-          </a:ln>
-        </p:spPr>
-        <p:style>
-          <a:lnRef idx="2">
-            <a:schemeClr val="accent1">
-              <a:shade val="50000"/>
-            </a:schemeClr>
-          </a:lnRef>
-          <a:fillRef idx="1">
-            <a:schemeClr val="accent1"/>
-          </a:fillRef>
-          <a:effectRef idx="0">
-            <a:schemeClr val="accent1"/>
-          </a:effectRef>
-          <a:fontRef idx="minor">
-            <a:schemeClr val="lt1"/>
-          </a:fontRef>
-        </p:style>
-        <p:txBody>
-          <a:bodyPr rtlCol="0" anchor="ctr"/>
-          <a:lstStyle/>
-          <a:p>
-            <a:pPr algn="ctr"/>
-            <a:endParaRPr lang="ko-KR" altLang="en-US"/>
-          </a:p>
-        </p:txBody>
-      </p:sp>
-      <p:cxnSp>
-        <p:nvCxnSpPr>
-          <p:cNvPr id="13" name="꺾인 연결선 12"/>
-          <p:cNvCxnSpPr>
-            <a:stCxn id="10" idx="3"/>
-            <a:endCxn id="11" idx="1"/>
-          </p:cNvCxnSpPr>
-          <p:nvPr/>
-        </p:nvCxnSpPr>
-        <p:spPr>
-          <a:xfrm>
-            <a:off x="4653837" y="1762411"/>
-            <a:ext cx="2545286" cy="2265999"/>
-          </a:xfrm>
-          <a:prstGeom prst="bentConnector3">
-            <a:avLst>
-              <a:gd name="adj1" fmla="val 67067"/>
-            </a:avLst>
-          </a:prstGeom>
-          <a:ln w="19050">
-            <a:solidFill>
-              <a:srgbClr val="FF0000"/>
-            </a:solidFill>
-            <a:tailEnd type="arrow" w="lg" len="lg"/>
-          </a:ln>
-        </p:spPr>
-        <p:style>
-          <a:lnRef idx="1">
-            <a:schemeClr val="accent1"/>
-          </a:lnRef>
-          <a:fillRef idx="0">
-            <a:schemeClr val="accent1"/>
-          </a:fillRef>
-          <a:effectRef idx="0">
-            <a:schemeClr val="accent1"/>
-          </a:effectRef>
-          <a:fontRef idx="minor">
-            <a:schemeClr val="tx1"/>
-          </a:fontRef>
-        </p:style>
-      </p:cxnSp>
-      <p:sp>
-        <p:nvSpPr>
-          <p:cNvPr id="16" name="직사각형 15"/>
-          <p:cNvSpPr/>
-          <p:nvPr/>
-        </p:nvSpPr>
-        <p:spPr>
-          <a:xfrm>
-            <a:off x="1060492" y="3582077"/>
-            <a:ext cx="3518484" cy="1236000"/>
-          </a:xfrm>
-          <a:prstGeom prst="rect">
-            <a:avLst/>
-          </a:prstGeom>
-          <a:noFill/>
-          <a:ln>
-            <a:solidFill>
-              <a:srgbClr val="00B0F0"/>
-            </a:solidFill>
-          </a:ln>
-        </p:spPr>
-        <p:style>
-          <a:lnRef idx="2">
-            <a:schemeClr val="accent1">
-              <a:shade val="50000"/>
-            </a:schemeClr>
-          </a:lnRef>
-          <a:fillRef idx="1">
-            <a:schemeClr val="accent1"/>
-          </a:fillRef>
-          <a:effectRef idx="0">
-            <a:schemeClr val="accent1"/>
-          </a:effectRef>
-          <a:fontRef idx="minor">
-            <a:schemeClr val="lt1"/>
-          </a:fontRef>
-        </p:style>
-        <p:txBody>
-          <a:bodyPr rtlCol="0" anchor="ctr"/>
-          <a:lstStyle/>
-          <a:p>
-            <a:pPr algn="ctr"/>
-            <a:endParaRPr lang="ko-KR" altLang="en-US"/>
-          </a:p>
-        </p:txBody>
-      </p:sp>
-      <p:sp>
-        <p:nvSpPr>
-          <p:cNvPr id="17" name="직사각형 16"/>
-          <p:cNvSpPr/>
-          <p:nvPr/>
-        </p:nvSpPr>
-        <p:spPr>
-          <a:xfrm>
-            <a:off x="7199123" y="4749410"/>
-            <a:ext cx="3518484" cy="1442000"/>
-          </a:xfrm>
-          <a:prstGeom prst="rect">
-            <a:avLst/>
-          </a:prstGeom>
-          <a:noFill/>
-          <a:ln>
-            <a:solidFill>
-              <a:srgbClr val="00B0F0"/>
-            </a:solidFill>
-          </a:ln>
-        </p:spPr>
-        <p:style>
-          <a:lnRef idx="2">
-            <a:schemeClr val="accent1">
-              <a:shade val="50000"/>
-            </a:schemeClr>
-          </a:lnRef>
-          <a:fillRef idx="1">
-            <a:schemeClr val="accent1"/>
-          </a:fillRef>
-          <a:effectRef idx="0">
-            <a:schemeClr val="accent1"/>
-          </a:effectRef>
-          <a:fontRef idx="minor">
-            <a:schemeClr val="lt1"/>
-          </a:fontRef>
-        </p:style>
-        <p:txBody>
-          <a:bodyPr rtlCol="0" anchor="ctr"/>
-          <a:lstStyle/>
-          <a:p>
-            <a:pPr algn="ctr"/>
-            <a:endParaRPr lang="ko-KR" altLang="en-US"/>
-          </a:p>
-        </p:txBody>
-      </p:sp>
-      <p:sp>
-        <p:nvSpPr>
-          <p:cNvPr id="18" name="직사각형 17"/>
-          <p:cNvSpPr/>
-          <p:nvPr/>
-        </p:nvSpPr>
-        <p:spPr>
-          <a:xfrm>
-            <a:off x="1060492" y="4886743"/>
-            <a:ext cx="3518484" cy="2060000"/>
-          </a:xfrm>
-          <a:prstGeom prst="rect">
-            <a:avLst/>
-          </a:prstGeom>
-          <a:noFill/>
-          <a:ln>
-            <a:solidFill>
-              <a:srgbClr val="FFFF00"/>
-            </a:solidFill>
-          </a:ln>
-        </p:spPr>
-        <p:style>
-          <a:lnRef idx="2">
-            <a:schemeClr val="accent1">
-              <a:shade val="50000"/>
-            </a:schemeClr>
-          </a:lnRef>
-          <a:fillRef idx="1">
-            <a:schemeClr val="accent1"/>
-          </a:fillRef>
-          <a:effectRef idx="0">
-            <a:schemeClr val="accent1"/>
-          </a:effectRef>
-          <a:fontRef idx="minor">
-            <a:schemeClr val="lt1"/>
-          </a:fontRef>
-        </p:style>
-        <p:txBody>
-          <a:bodyPr rtlCol="0" anchor="ctr"/>
-          <a:lstStyle/>
-          <a:p>
-            <a:pPr algn="ctr"/>
-            <a:endParaRPr lang="ko-KR" altLang="en-US"/>
-          </a:p>
-        </p:txBody>
-      </p:sp>
-      <p:sp>
-        <p:nvSpPr>
-          <p:cNvPr id="19" name="직사각형 18"/>
-          <p:cNvSpPr/>
-          <p:nvPr/>
-        </p:nvSpPr>
-        <p:spPr>
-          <a:xfrm>
-            <a:off x="1584521" y="6946744"/>
-            <a:ext cx="3293900" cy="686666"/>
-          </a:xfrm>
-          <a:prstGeom prst="rect">
-            <a:avLst/>
-          </a:prstGeom>
-          <a:noFill/>
-          <a:ln>
-            <a:solidFill>
-              <a:srgbClr val="FFFF00"/>
-            </a:solidFill>
-          </a:ln>
-        </p:spPr>
-        <p:style>
-          <a:lnRef idx="2">
-            <a:schemeClr val="accent1">
-              <a:shade val="50000"/>
-            </a:schemeClr>
-          </a:lnRef>
-          <a:fillRef idx="1">
-            <a:schemeClr val="accent1"/>
-          </a:fillRef>
-          <a:effectRef idx="0">
-            <a:schemeClr val="accent1"/>
-          </a:effectRef>
-          <a:fontRef idx="minor">
-            <a:schemeClr val="lt1"/>
-          </a:fontRef>
-        </p:style>
-        <p:txBody>
-          <a:bodyPr rtlCol="0" anchor="ctr"/>
-          <a:lstStyle/>
-          <a:p>
-            <a:pPr algn="ctr"/>
-            <a:endParaRPr lang="ko-KR" altLang="en-US"/>
-          </a:p>
-        </p:txBody>
-      </p:sp>
-      <p:sp>
-        <p:nvSpPr>
-          <p:cNvPr id="20" name="직사각형 19"/>
-          <p:cNvSpPr/>
-          <p:nvPr/>
-        </p:nvSpPr>
-        <p:spPr>
-          <a:xfrm>
-            <a:off x="7124262" y="6534743"/>
-            <a:ext cx="3293900" cy="823999"/>
-          </a:xfrm>
-          <a:prstGeom prst="rect">
-            <a:avLst/>
-          </a:prstGeom>
-          <a:noFill/>
-          <a:ln>
-            <a:solidFill>
-              <a:srgbClr val="FFFF00"/>
-            </a:solidFill>
-          </a:ln>
-        </p:spPr>
-        <p:style>
-          <a:lnRef idx="2">
-            <a:schemeClr val="accent1">
-              <a:shade val="50000"/>
-            </a:schemeClr>
-          </a:lnRef>
-          <a:fillRef idx="1">
-            <a:schemeClr val="accent1"/>
-          </a:fillRef>
-          <a:effectRef idx="0">
-            <a:schemeClr val="accent1"/>
-          </a:effectRef>
-          <a:fontRef idx="minor">
-            <a:schemeClr val="lt1"/>
-          </a:fontRef>
-        </p:style>
-        <p:txBody>
-          <a:bodyPr rtlCol="0" anchor="ctr"/>
-          <a:lstStyle/>
-          <a:p>
-            <a:pPr algn="ctr"/>
-            <a:endParaRPr lang="ko-KR" altLang="en-US"/>
-          </a:p>
-        </p:txBody>
-      </p:sp>
-      <p:sp>
-        <p:nvSpPr>
-          <p:cNvPr id="21" name="직사각형 20"/>
-          <p:cNvSpPr/>
-          <p:nvPr/>
-        </p:nvSpPr>
-        <p:spPr>
-          <a:xfrm>
-            <a:off x="6749956" y="1453411"/>
-            <a:ext cx="3518484" cy="1991332"/>
-          </a:xfrm>
-          <a:prstGeom prst="rect">
-            <a:avLst/>
-          </a:prstGeom>
-          <a:noFill/>
-          <a:ln>
-            <a:solidFill>
-              <a:srgbClr val="FFFF00"/>
-            </a:solidFill>
-          </a:ln>
-        </p:spPr>
-        <p:style>
-          <a:lnRef idx="2">
-            <a:schemeClr val="accent1">
-              <a:shade val="50000"/>
-            </a:schemeClr>
-          </a:lnRef>
-          <a:fillRef idx="1">
-            <a:schemeClr val="accent1"/>
-          </a:fillRef>
-          <a:effectRef idx="0">
-            <a:schemeClr val="accent1"/>
-          </a:effectRef>
-          <a:fontRef idx="minor">
-            <a:schemeClr val="lt1"/>
-          </a:fontRef>
-        </p:style>
-        <p:txBody>
-          <a:bodyPr rtlCol="0" anchor="ctr"/>
-          <a:lstStyle/>
-          <a:p>
-            <a:pPr algn="ctr"/>
-            <a:endParaRPr lang="ko-KR" altLang="en-US"/>
-          </a:p>
-        </p:txBody>
-      </p:sp>
-      <p:cxnSp>
-        <p:nvCxnSpPr>
-          <p:cNvPr id="22" name="꺾인 연결선 21"/>
-          <p:cNvCxnSpPr>
-            <a:stCxn id="19" idx="3"/>
-            <a:endCxn id="20" idx="3"/>
-          </p:cNvCxnSpPr>
-          <p:nvPr/>
-        </p:nvCxnSpPr>
-        <p:spPr>
-          <a:xfrm flipV="1">
-            <a:off x="4878422" y="6946742"/>
-            <a:ext cx="5539741" cy="343334"/>
-          </a:xfrm>
-          <a:prstGeom prst="bentConnector5">
-            <a:avLst>
-              <a:gd name="adj1" fmla="val 9430"/>
-              <a:gd name="adj2" fmla="val -248476"/>
-              <a:gd name="adj3" fmla="val 104324"/>
-            </a:avLst>
-          </a:prstGeom>
-          <a:ln w="19050">
-            <a:solidFill>
-              <a:srgbClr val="FFFF00"/>
-            </a:solidFill>
-            <a:tailEnd type="arrow" w="lg" len="lg"/>
-          </a:ln>
-        </p:spPr>
-        <p:style>
-          <a:lnRef idx="1">
-            <a:schemeClr val="accent1"/>
-          </a:lnRef>
-          <a:fillRef idx="0">
-            <a:schemeClr val="accent1"/>
-          </a:fillRef>
-          <a:effectRef idx="0">
-            <a:schemeClr val="accent1"/>
-          </a:effectRef>
-          <a:fontRef idx="minor">
-            <a:schemeClr val="tx1"/>
-          </a:fontRef>
-        </p:style>
-      </p:cxnSp>
-      <p:cxnSp>
-        <p:nvCxnSpPr>
-          <p:cNvPr id="26" name="꺾인 연결선 25"/>
-          <p:cNvCxnSpPr>
-            <a:stCxn id="16" idx="3"/>
-          </p:cNvCxnSpPr>
-          <p:nvPr/>
-        </p:nvCxnSpPr>
-        <p:spPr>
-          <a:xfrm>
-            <a:off x="4578976" y="4200077"/>
-            <a:ext cx="2620148" cy="1648000"/>
-          </a:xfrm>
-          <a:prstGeom prst="bentConnector3">
-            <a:avLst>
-              <a:gd name="adj1" fmla="val 22206"/>
-            </a:avLst>
-          </a:prstGeom>
-          <a:ln w="19050">
-            <a:solidFill>
-              <a:srgbClr val="00B0F0"/>
-            </a:solidFill>
-            <a:tailEnd type="arrow" w="lg" len="lg"/>
-          </a:ln>
-        </p:spPr>
-        <p:style>
-          <a:lnRef idx="1">
-            <a:schemeClr val="accent1"/>
-          </a:lnRef>
-          <a:fillRef idx="0">
-            <a:schemeClr val="accent1"/>
-          </a:fillRef>
-          <a:effectRef idx="0">
-            <a:schemeClr val="accent1"/>
-          </a:effectRef>
-          <a:fontRef idx="minor">
-            <a:schemeClr val="tx1"/>
-          </a:fontRef>
-        </p:style>
-      </p:cxnSp>
-      <p:sp>
-        <p:nvSpPr>
-          <p:cNvPr id="34" name="TextBox 33"/>
-          <p:cNvSpPr txBox="1"/>
-          <p:nvPr/>
-        </p:nvSpPr>
-        <p:spPr>
-          <a:xfrm>
-            <a:off x="162156" y="560745"/>
-            <a:ext cx="3213187" cy="369332"/>
-          </a:xfrm>
-          <a:prstGeom prst="rect">
-            <a:avLst/>
-          </a:prstGeom>
-          <a:noFill/>
-        </p:spPr>
-        <p:txBody>
-          <a:bodyPr wrap="none" rtlCol="0">
-            <a:spAutoFit/>
-          </a:bodyPr>
-          <a:lstStyle/>
-          <a:p>
-            <a:r>
-              <a:rPr lang="ko-KR" altLang="en-US" sz="1800" smtClean="0">
-                <a:latin typeface="LG Smart UI Regular" pitchFamily="50" charset="-127"/>
-                <a:ea typeface="LG Smart UI Regular" pitchFamily="50" charset="-127"/>
-              </a:rPr>
-              <a:t>◆ </a:t>
-            </a:r>
-            <a:r>
-              <a:rPr lang="en-US" altLang="ko-KR" sz="1800" smtClean="0">
-                <a:latin typeface="LG Smart UI Regular" pitchFamily="50" charset="-127"/>
-                <a:ea typeface="LG Smart UI Regular" pitchFamily="50" charset="-127"/>
-              </a:rPr>
-              <a:t>maven </a:t>
-            </a:r>
-            <a:r>
-              <a:rPr lang="ko-KR" altLang="en-US" sz="1800" smtClean="0">
-                <a:latin typeface="LG Smart UI Regular" pitchFamily="50" charset="-127"/>
-                <a:ea typeface="LG Smart UI Regular" pitchFamily="50" charset="-127"/>
-              </a:rPr>
-              <a:t>프로젝트 디렉토리 구조 </a:t>
-            </a:r>
-            <a:endParaRPr lang="ko-KR" altLang="en-US" sz="1800">
-              <a:latin typeface="LG Smart UI Regular" pitchFamily="50" charset="-127"/>
-              <a:ea typeface="LG Smart UI Regular" pitchFamily="50" charset="-127"/>
-            </a:endParaRPr>
-          </a:p>
-        </p:txBody>
-      </p:sp>
-      <p:sp>
-        <p:nvSpPr>
-          <p:cNvPr id="35" name="TextBox 34"/>
-          <p:cNvSpPr txBox="1"/>
-          <p:nvPr/>
-        </p:nvSpPr>
-        <p:spPr>
-          <a:xfrm>
-            <a:off x="6675094" y="560745"/>
-            <a:ext cx="2483821" cy="369332"/>
-          </a:xfrm>
-          <a:prstGeom prst="rect">
-            <a:avLst/>
-          </a:prstGeom>
-          <a:noFill/>
-        </p:spPr>
-        <p:txBody>
-          <a:bodyPr wrap="none" rtlCol="0">
-            <a:spAutoFit/>
-          </a:bodyPr>
-          <a:lstStyle/>
-          <a:p>
-            <a:r>
-              <a:rPr lang="ko-KR" altLang="en-US" sz="1800" smtClean="0">
-                <a:latin typeface="LG Smart UI Regular" pitchFamily="50" charset="-127"/>
-                <a:ea typeface="LG Smart UI Regular" pitchFamily="50" charset="-127"/>
-              </a:rPr>
-              <a:t>◆ </a:t>
-            </a:r>
-            <a:r>
-              <a:rPr lang="en-US" altLang="ko-KR" sz="1800" smtClean="0">
-                <a:latin typeface="LG Smart UI Regular" pitchFamily="50" charset="-127"/>
-                <a:ea typeface="LG Smart UI Regular" pitchFamily="50" charset="-127"/>
-              </a:rPr>
-              <a:t>war</a:t>
-            </a:r>
-            <a:r>
-              <a:rPr lang="ko-KR" altLang="en-US" sz="1800" smtClean="0">
-                <a:latin typeface="LG Smart UI Regular" pitchFamily="50" charset="-127"/>
-                <a:ea typeface="LG Smart UI Regular" pitchFamily="50" charset="-127"/>
-              </a:rPr>
-              <a:t>파일 디렉토리 구조 </a:t>
-            </a:r>
-            <a:endParaRPr lang="ko-KR" altLang="en-US" sz="1800">
-              <a:latin typeface="LG Smart UI Regular" pitchFamily="50" charset="-127"/>
-              <a:ea typeface="LG Smart UI Regular" pitchFamily="50" charset="-127"/>
-            </a:endParaRPr>
-          </a:p>
-        </p:txBody>
-      </p:sp>
-      <p:sp>
-        <p:nvSpPr>
-          <p:cNvPr id="36" name="TextBox 35"/>
-          <p:cNvSpPr txBox="1"/>
-          <p:nvPr/>
-        </p:nvSpPr>
-        <p:spPr>
-          <a:xfrm>
-            <a:off x="5851620" y="1522078"/>
-            <a:ext cx="655949" cy="323165"/>
-          </a:xfrm>
-          <a:prstGeom prst="rect">
-            <a:avLst/>
-          </a:prstGeom>
-          <a:solidFill>
-            <a:schemeClr val="bg1">
-              <a:lumMod val="95000"/>
-            </a:schemeClr>
-          </a:solidFill>
-        </p:spPr>
-        <p:txBody>
-          <a:bodyPr wrap="none" rtlCol="0">
-            <a:spAutoFit/>
-          </a:bodyPr>
-          <a:lstStyle/>
-          <a:p>
-            <a:r>
-              <a:rPr lang="ko-KR" altLang="en-US" sz="1500" smtClean="0">
-                <a:latin typeface="LG Smart UI Regular" pitchFamily="50" charset="-127"/>
-                <a:ea typeface="LG Smart UI Regular" pitchFamily="50" charset="-127"/>
-              </a:rPr>
-              <a:t>컴파일</a:t>
-            </a:r>
-            <a:endParaRPr lang="ko-KR" altLang="en-US" sz="1500">
-              <a:latin typeface="LG Smart UI Regular" pitchFamily="50" charset="-127"/>
-              <a:ea typeface="LG Smart UI Regular" pitchFamily="50" charset="-127"/>
-            </a:endParaRPr>
-          </a:p>
-        </p:txBody>
-      </p:sp>
-      <p:cxnSp>
-        <p:nvCxnSpPr>
-          <p:cNvPr id="39" name="직선 연결선 38"/>
-          <p:cNvCxnSpPr/>
-          <p:nvPr/>
-        </p:nvCxnSpPr>
-        <p:spPr>
-          <a:xfrm flipV="1">
-            <a:off x="1734244" y="2620561"/>
-            <a:ext cx="2096119" cy="184"/>
-          </a:xfrm>
-          <a:prstGeom prst="line">
-            <a:avLst/>
-          </a:prstGeom>
-          <a:ln>
-            <a:solidFill>
-              <a:srgbClr val="FF0000"/>
-            </a:solidFill>
-          </a:ln>
-        </p:spPr>
-        <p:style>
-          <a:lnRef idx="1">
-            <a:schemeClr val="accent1"/>
-          </a:lnRef>
-          <a:fillRef idx="0">
-            <a:schemeClr val="accent1"/>
-          </a:fillRef>
-          <a:effectRef idx="0">
-            <a:schemeClr val="accent1"/>
-          </a:effectRef>
-          <a:fontRef idx="minor">
-            <a:schemeClr val="tx1"/>
-          </a:fontRef>
-        </p:style>
-      </p:cxnSp>
-      <p:cxnSp>
-        <p:nvCxnSpPr>
-          <p:cNvPr id="42" name="직선 연결선 41"/>
-          <p:cNvCxnSpPr/>
-          <p:nvPr/>
-        </p:nvCxnSpPr>
-        <p:spPr>
-          <a:xfrm flipV="1">
-            <a:off x="1734244" y="2758078"/>
-            <a:ext cx="2096119" cy="184"/>
-          </a:xfrm>
-          <a:prstGeom prst="line">
-            <a:avLst/>
-          </a:prstGeom>
-          <a:ln>
-            <a:solidFill>
-              <a:srgbClr val="FF0000"/>
-            </a:solidFill>
-          </a:ln>
-        </p:spPr>
-        <p:style>
-          <a:lnRef idx="1">
-            <a:schemeClr val="accent1"/>
-          </a:lnRef>
-          <a:fillRef idx="0">
-            <a:schemeClr val="accent1"/>
-          </a:fillRef>
-          <a:effectRef idx="0">
-            <a:schemeClr val="accent1"/>
-          </a:effectRef>
-          <a:fontRef idx="minor">
-            <a:schemeClr val="tx1"/>
-          </a:fontRef>
-        </p:style>
-      </p:cxnSp>
-      <p:cxnSp>
-        <p:nvCxnSpPr>
-          <p:cNvPr id="44" name="직선 화살표 연결선 43"/>
-          <p:cNvCxnSpPr/>
-          <p:nvPr/>
-        </p:nvCxnSpPr>
-        <p:spPr>
-          <a:xfrm>
-            <a:off x="3830362" y="2552078"/>
-            <a:ext cx="3443623" cy="2471999"/>
-          </a:xfrm>
-          <a:prstGeom prst="straightConnector1">
-            <a:avLst/>
-          </a:prstGeom>
-          <a:ln w="19050">
-            <a:solidFill>
-              <a:srgbClr val="FF0000"/>
-            </a:solidFill>
-            <a:prstDash val="dash"/>
-            <a:headEnd type="oval"/>
-            <a:tailEnd type="arrow"/>
-          </a:ln>
-        </p:spPr>
-        <p:style>
-          <a:lnRef idx="1">
-            <a:schemeClr val="accent1"/>
-          </a:lnRef>
-          <a:fillRef idx="0">
-            <a:schemeClr val="accent1"/>
-          </a:fillRef>
-          <a:effectRef idx="0">
-            <a:schemeClr val="accent1"/>
-          </a:effectRef>
-          <a:fontRef idx="minor">
-            <a:schemeClr val="tx1"/>
-          </a:fontRef>
-        </p:style>
-      </p:cxnSp>
-      <p:cxnSp>
-        <p:nvCxnSpPr>
-          <p:cNvPr id="45" name="직선 화살표 연결선 44"/>
-          <p:cNvCxnSpPr/>
-          <p:nvPr/>
-        </p:nvCxnSpPr>
-        <p:spPr>
-          <a:xfrm>
-            <a:off x="3830362" y="2758077"/>
-            <a:ext cx="3668207" cy="2952666"/>
-          </a:xfrm>
-          <a:prstGeom prst="straightConnector1">
-            <a:avLst/>
-          </a:prstGeom>
-          <a:ln w="19050">
-            <a:solidFill>
-              <a:srgbClr val="FF0000"/>
-            </a:solidFill>
-            <a:prstDash val="dash"/>
-            <a:headEnd type="oval"/>
-            <a:tailEnd type="arrow"/>
-          </a:ln>
-        </p:spPr>
-        <p:style>
-          <a:lnRef idx="1">
-            <a:schemeClr val="accent1"/>
-          </a:lnRef>
-          <a:fillRef idx="0">
-            <a:schemeClr val="accent1"/>
-          </a:fillRef>
-          <a:effectRef idx="0">
-            <a:schemeClr val="accent1"/>
-          </a:effectRef>
-          <a:fontRef idx="minor">
-            <a:schemeClr val="tx1"/>
-          </a:fontRef>
-        </p:style>
-      </p:cxnSp>
-      <p:sp>
-        <p:nvSpPr>
-          <p:cNvPr id="49" name="TextBox 48"/>
-          <p:cNvSpPr txBox="1"/>
-          <p:nvPr/>
-        </p:nvSpPr>
-        <p:spPr>
-          <a:xfrm>
-            <a:off x="5297507" y="4268744"/>
-            <a:ext cx="1314591" cy="553998"/>
-          </a:xfrm>
-          <a:prstGeom prst="rect">
-            <a:avLst/>
-          </a:prstGeom>
-          <a:solidFill>
-            <a:schemeClr val="bg1">
-              <a:lumMod val="95000"/>
-            </a:schemeClr>
-          </a:solidFill>
-        </p:spPr>
-        <p:txBody>
-          <a:bodyPr wrap="none" rtlCol="0">
-            <a:spAutoFit/>
-          </a:bodyPr>
-          <a:lstStyle/>
-          <a:p>
-            <a:r>
-              <a:rPr lang="en-US" altLang="ko-KR" sz="1500" smtClean="0">
-                <a:latin typeface="LG Smart UI Regular" pitchFamily="50" charset="-127"/>
-                <a:ea typeface="LG Smart UI Regular" pitchFamily="50" charset="-127"/>
-              </a:rPr>
-              <a:t>profile(</a:t>
-            </a:r>
-            <a:r>
-              <a:rPr lang="ko-KR" altLang="en-US" sz="1500" smtClean="0">
-                <a:latin typeface="LG Smart UI Regular" pitchFamily="50" charset="-127"/>
-                <a:ea typeface="LG Smart UI Regular" pitchFamily="50" charset="-127"/>
-              </a:rPr>
-              <a:t>환경별</a:t>
-            </a:r>
-            <a:r>
-              <a:rPr lang="en-US" altLang="ko-KR" sz="1500" smtClean="0">
-                <a:latin typeface="LG Smart UI Regular" pitchFamily="50" charset="-127"/>
-                <a:ea typeface="LG Smart UI Regular" pitchFamily="50" charset="-127"/>
-              </a:rPr>
-              <a:t>)</a:t>
-            </a:r>
-          </a:p>
-          <a:p>
-            <a:r>
-              <a:rPr lang="ko-KR" altLang="en-US" sz="1500" smtClean="0">
-                <a:latin typeface="LG Smart UI Regular" pitchFamily="50" charset="-127"/>
-                <a:ea typeface="LG Smart UI Regular" pitchFamily="50" charset="-127"/>
-              </a:rPr>
-              <a:t>다른설정배</a:t>
-            </a:r>
-            <a:r>
-              <a:rPr lang="ko-KR" altLang="en-US" sz="1500">
-                <a:latin typeface="LG Smart UI Regular" pitchFamily="50" charset="-127"/>
-                <a:ea typeface="LG Smart UI Regular" pitchFamily="50" charset="-127"/>
-              </a:rPr>
-              <a:t>포</a:t>
-            </a:r>
           </a:p>
         </p:txBody>
       </p:sp>
